--- a/Group1_PROJECT/DOCUMENTATION/DESIGN.pptx
+++ b/Group1_PROJECT/DOCUMENTATION/DESIGN.pptx
@@ -268,7 +268,7 @@
           <a:p>
             <a:fld id="{F832CBD2-4737-41F6-87A9-97F51954DF9E}" type="datetimeFigureOut">
               <a:rPr lang="en-PH" smtClean="0"/>
-              <a:t>08/03/2021</a:t>
+              <a:t>09/03/2021</a:t>
             </a:fld>
             <a:endParaRPr lang="en-PH"/>
           </a:p>
@@ -468,7 +468,7 @@
           <a:p>
             <a:fld id="{F832CBD2-4737-41F6-87A9-97F51954DF9E}" type="datetimeFigureOut">
               <a:rPr lang="en-PH" smtClean="0"/>
-              <a:t>08/03/2021</a:t>
+              <a:t>09/03/2021</a:t>
             </a:fld>
             <a:endParaRPr lang="en-PH"/>
           </a:p>
@@ -678,7 +678,7 @@
           <a:p>
             <a:fld id="{F832CBD2-4737-41F6-87A9-97F51954DF9E}" type="datetimeFigureOut">
               <a:rPr lang="en-PH" smtClean="0"/>
-              <a:t>08/03/2021</a:t>
+              <a:t>09/03/2021</a:t>
             </a:fld>
             <a:endParaRPr lang="en-PH"/>
           </a:p>
@@ -878,7 +878,7 @@
           <a:p>
             <a:fld id="{F832CBD2-4737-41F6-87A9-97F51954DF9E}" type="datetimeFigureOut">
               <a:rPr lang="en-PH" smtClean="0"/>
-              <a:t>08/03/2021</a:t>
+              <a:t>09/03/2021</a:t>
             </a:fld>
             <a:endParaRPr lang="en-PH"/>
           </a:p>
@@ -1154,7 +1154,7 @@
           <a:p>
             <a:fld id="{F832CBD2-4737-41F6-87A9-97F51954DF9E}" type="datetimeFigureOut">
               <a:rPr lang="en-PH" smtClean="0"/>
-              <a:t>08/03/2021</a:t>
+              <a:t>09/03/2021</a:t>
             </a:fld>
             <a:endParaRPr lang="en-PH"/>
           </a:p>
@@ -1422,7 +1422,7 @@
           <a:p>
             <a:fld id="{F832CBD2-4737-41F6-87A9-97F51954DF9E}" type="datetimeFigureOut">
               <a:rPr lang="en-PH" smtClean="0"/>
-              <a:t>08/03/2021</a:t>
+              <a:t>09/03/2021</a:t>
             </a:fld>
             <a:endParaRPr lang="en-PH"/>
           </a:p>
@@ -1837,7 +1837,7 @@
           <a:p>
             <a:fld id="{F832CBD2-4737-41F6-87A9-97F51954DF9E}" type="datetimeFigureOut">
               <a:rPr lang="en-PH" smtClean="0"/>
-              <a:t>08/03/2021</a:t>
+              <a:t>09/03/2021</a:t>
             </a:fld>
             <a:endParaRPr lang="en-PH"/>
           </a:p>
@@ -1979,7 +1979,7 @@
           <a:p>
             <a:fld id="{F832CBD2-4737-41F6-87A9-97F51954DF9E}" type="datetimeFigureOut">
               <a:rPr lang="en-PH" smtClean="0"/>
-              <a:t>08/03/2021</a:t>
+              <a:t>09/03/2021</a:t>
             </a:fld>
             <a:endParaRPr lang="en-PH"/>
           </a:p>
@@ -2092,7 +2092,7 @@
           <a:p>
             <a:fld id="{F832CBD2-4737-41F6-87A9-97F51954DF9E}" type="datetimeFigureOut">
               <a:rPr lang="en-PH" smtClean="0"/>
-              <a:t>08/03/2021</a:t>
+              <a:t>09/03/2021</a:t>
             </a:fld>
             <a:endParaRPr lang="en-PH"/>
           </a:p>
@@ -2405,7 +2405,7 @@
           <a:p>
             <a:fld id="{F832CBD2-4737-41F6-87A9-97F51954DF9E}" type="datetimeFigureOut">
               <a:rPr lang="en-PH" smtClean="0"/>
-              <a:t>08/03/2021</a:t>
+              <a:t>09/03/2021</a:t>
             </a:fld>
             <a:endParaRPr lang="en-PH"/>
           </a:p>
@@ -2694,7 +2694,7 @@
           <a:p>
             <a:fld id="{F832CBD2-4737-41F6-87A9-97F51954DF9E}" type="datetimeFigureOut">
               <a:rPr lang="en-PH" smtClean="0"/>
-              <a:t>08/03/2021</a:t>
+              <a:t>09/03/2021</a:t>
             </a:fld>
             <a:endParaRPr lang="en-PH"/>
           </a:p>
@@ -2937,7 +2937,7 @@
           <a:p>
             <a:fld id="{F832CBD2-4737-41F6-87A9-97F51954DF9E}" type="datetimeFigureOut">
               <a:rPr lang="en-PH" smtClean="0"/>
-              <a:t>08/03/2021</a:t>
+              <a:t>09/03/2021</a:t>
             </a:fld>
             <a:endParaRPr lang="en-PH"/>
           </a:p>
@@ -5263,8 +5263,8 @@
         </p:blipFill>
         <p:spPr>
           <a:xfrm>
-            <a:off x="3848823" y="206071"/>
-            <a:ext cx="742356" cy="690079"/>
+            <a:off x="4028775" y="206071"/>
+            <a:ext cx="562404" cy="522799"/>
           </a:xfrm>
           <a:prstGeom prst="rect">
             <a:avLst/>
@@ -5298,8 +5298,8 @@
         </p:blipFill>
         <p:spPr>
           <a:xfrm>
-            <a:off x="8514488" y="219205"/>
-            <a:ext cx="742356" cy="690079"/>
+            <a:off x="8708568" y="219205"/>
+            <a:ext cx="548275" cy="509665"/>
           </a:xfrm>
           <a:prstGeom prst="rect">
             <a:avLst/>
@@ -5446,6 +5446,283 @@
           </a:p>
         </p:txBody>
       </p:sp>
+      <p:pic>
+        <p:nvPicPr>
+          <p:cNvPr id="6" name="Content Placeholder 6">
+            <a:extLst>
+              <a:ext uri="{FF2B5EF4-FFF2-40B4-BE49-F238E27FC236}">
+                <a16:creationId xmlns:a16="http://schemas.microsoft.com/office/drawing/2014/main" id="{D1D2B388-CC4A-42FD-931C-36D2F34C4EF3}"/>
+              </a:ext>
+            </a:extLst>
+          </p:cNvPr>
+          <p:cNvPicPr>
+            <a:picLocks noGrp="1" noChangeAspect="1"/>
+          </p:cNvPicPr>
+          <p:nvPr>
+            <p:ph idx="1"/>
+          </p:nvPr>
+        </p:nvPicPr>
+        <p:blipFill rotWithShape="1">
+          <a:blip r:embed="rId2">
+            <a:extLst>
+              <a:ext uri="{28A0092B-C50C-407E-A947-70E740481C1C}">
+                <a14:useLocalDpi xmlns:a14="http://schemas.microsoft.com/office/drawing/2010/main" val="0"/>
+              </a:ext>
+            </a:extLst>
+          </a:blip>
+          <a:srcRect l="13862" t="9157" r="13862" b="16825"/>
+          <a:stretch/>
+        </p:blipFill>
+        <p:spPr>
+          <a:xfrm>
+            <a:off x="1462393" y="181263"/>
+            <a:ext cx="767337" cy="785823"/>
+          </a:xfrm>
+        </p:spPr>
+      </p:pic>
+      <p:sp>
+        <p:nvSpPr>
+          <p:cNvPr id="15" name="Rectangle 14">
+            <a:extLst>
+              <a:ext uri="{FF2B5EF4-FFF2-40B4-BE49-F238E27FC236}">
+                <a16:creationId xmlns:a16="http://schemas.microsoft.com/office/drawing/2014/main" id="{A94A4A1D-C8D0-4B52-8966-0FE353556AC6}"/>
+              </a:ext>
+            </a:extLst>
+          </p:cNvPr>
+          <p:cNvSpPr/>
+          <p:nvPr/>
+        </p:nvSpPr>
+        <p:spPr>
+          <a:xfrm>
+            <a:off x="2322378" y="6248505"/>
+            <a:ext cx="1374979" cy="317364"/>
+          </a:xfrm>
+          <a:prstGeom prst="rect">
+            <a:avLst/>
+          </a:prstGeom>
+          <a:solidFill>
+            <a:srgbClr val="769F9A"/>
+          </a:solidFill>
+          <a:ln>
+            <a:solidFill>
+              <a:srgbClr val="769F9A"/>
+            </a:solidFill>
+          </a:ln>
+        </p:spPr>
+        <p:style>
+          <a:lnRef idx="2">
+            <a:schemeClr val="accent1">
+              <a:shade val="50000"/>
+            </a:schemeClr>
+          </a:lnRef>
+          <a:fillRef idx="1">
+            <a:schemeClr val="accent1"/>
+          </a:fillRef>
+          <a:effectRef idx="0">
+            <a:schemeClr val="accent1"/>
+          </a:effectRef>
+          <a:fontRef idx="minor">
+            <a:schemeClr val="lt1"/>
+          </a:fontRef>
+        </p:style>
+        <p:txBody>
+          <a:bodyPr rtlCol="0" anchor="ctr"/>
+          <a:lstStyle/>
+          <a:p>
+            <a:pPr algn="ctr"/>
+            <a:r>
+              <a:rPr lang="en-PH" dirty="0"/>
+              <a:t>ADD</a:t>
+            </a:r>
+          </a:p>
+        </p:txBody>
+      </p:sp>
+      <p:pic>
+        <p:nvPicPr>
+          <p:cNvPr id="16" name="Picture 15">
+            <a:extLst>
+              <a:ext uri="{FF2B5EF4-FFF2-40B4-BE49-F238E27FC236}">
+                <a16:creationId xmlns:a16="http://schemas.microsoft.com/office/drawing/2014/main" id="{95437187-19C9-4EDD-ADCE-006D915BEEF8}"/>
+              </a:ext>
+            </a:extLst>
+          </p:cNvPr>
+          <p:cNvPicPr>
+            <a:picLocks noChangeAspect="1"/>
+          </p:cNvPicPr>
+          <p:nvPr/>
+        </p:nvPicPr>
+        <p:blipFill rotWithShape="1">
+          <a:blip r:embed="rId3">
+            <a:extLst>
+              <a:ext uri="{28A0092B-C50C-407E-A947-70E740481C1C}">
+                <a14:useLocalDpi xmlns:a14="http://schemas.microsoft.com/office/drawing/2010/main" val="0"/>
+              </a:ext>
+            </a:extLst>
+          </a:blip>
+          <a:srcRect l="19375" t="11819" r="28750" b="-606"/>
+          <a:stretch/>
+        </p:blipFill>
+        <p:spPr>
+          <a:xfrm>
+            <a:off x="6181778" y="181263"/>
+            <a:ext cx="764567" cy="736095"/>
+          </a:xfrm>
+          <a:prstGeom prst="rect">
+            <a:avLst/>
+          </a:prstGeom>
+        </p:spPr>
+      </p:pic>
+      <p:pic>
+        <p:nvPicPr>
+          <p:cNvPr id="1026" name="Picture 2" descr="Green logo, Columns Android Application software, Green Back button  transparent background PNG clipart | HiClipart">
+            <a:extLst>
+              <a:ext uri="{FF2B5EF4-FFF2-40B4-BE49-F238E27FC236}">
+                <a16:creationId xmlns:a16="http://schemas.microsoft.com/office/drawing/2014/main" id="{B7B1930E-D145-47CE-881E-2C6893776A25}"/>
+              </a:ext>
+            </a:extLst>
+          </p:cNvPr>
+          <p:cNvPicPr>
+            <a:picLocks noChangeAspect="1" noChangeArrowheads="1"/>
+          </p:cNvPicPr>
+          <p:nvPr/>
+        </p:nvPicPr>
+        <p:blipFill>
+          <a:blip r:embed="rId4">
+            <a:extLst>
+              <a:ext uri="{28A0092B-C50C-407E-A947-70E740481C1C}">
+                <a14:useLocalDpi xmlns:a14="http://schemas.microsoft.com/office/drawing/2010/main" val="0"/>
+              </a:ext>
+            </a:extLst>
+          </a:blip>
+          <a:srcRect/>
+          <a:stretch>
+            <a:fillRect/>
+          </a:stretch>
+        </p:blipFill>
+        <p:spPr bwMode="auto">
+          <a:xfrm flipH="1">
+            <a:off x="3843479" y="185614"/>
+            <a:ext cx="731744" cy="731744"/>
+          </a:xfrm>
+          <a:prstGeom prst="rect">
+            <a:avLst/>
+          </a:prstGeom>
+          <a:noFill/>
+          <a:extLst>
+            <a:ext uri="{909E8E84-426E-40DD-AFC4-6F175D3DCCD1}">
+              <a14:hiddenFill xmlns:a14="http://schemas.microsoft.com/office/drawing/2010/main">
+                <a:solidFill>
+                  <a:srgbClr val="FFFFFF"/>
+                </a:solidFill>
+              </a14:hiddenFill>
+            </a:ext>
+          </a:extLst>
+        </p:spPr>
+      </p:pic>
+      <p:pic>
+        <p:nvPicPr>
+          <p:cNvPr id="23" name="Picture 2" descr="Green logo, Columns Android Application software, Green Back button  transparent background PNG clipart | HiClipart">
+            <a:extLst>
+              <a:ext uri="{FF2B5EF4-FFF2-40B4-BE49-F238E27FC236}">
+                <a16:creationId xmlns:a16="http://schemas.microsoft.com/office/drawing/2014/main" id="{421AE7D3-5D7D-4573-99C3-EAB7DB7EFAC2}"/>
+              </a:ext>
+            </a:extLst>
+          </p:cNvPr>
+          <p:cNvPicPr>
+            <a:picLocks noChangeAspect="1" noChangeArrowheads="1"/>
+          </p:cNvPicPr>
+          <p:nvPr/>
+        </p:nvPicPr>
+        <p:blipFill>
+          <a:blip r:embed="rId4">
+            <a:extLst>
+              <a:ext uri="{28A0092B-C50C-407E-A947-70E740481C1C}">
+                <a14:useLocalDpi xmlns:a14="http://schemas.microsoft.com/office/drawing/2010/main" val="0"/>
+              </a:ext>
+            </a:extLst>
+          </a:blip>
+          <a:srcRect/>
+          <a:stretch>
+            <a:fillRect/>
+          </a:stretch>
+        </p:blipFill>
+        <p:spPr bwMode="auto">
+          <a:xfrm flipH="1">
+            <a:off x="8656096" y="185614"/>
+            <a:ext cx="731744" cy="731744"/>
+          </a:xfrm>
+          <a:prstGeom prst="rect">
+            <a:avLst/>
+          </a:prstGeom>
+          <a:noFill/>
+          <a:extLst>
+            <a:ext uri="{909E8E84-426E-40DD-AFC4-6F175D3DCCD1}">
+              <a14:hiddenFill xmlns:a14="http://schemas.microsoft.com/office/drawing/2010/main">
+                <a:solidFill>
+                  <a:srgbClr val="FFFFFF"/>
+                </a:solidFill>
+              </a14:hiddenFill>
+            </a:ext>
+          </a:extLst>
+        </p:spPr>
+      </p:pic>
+      <p:sp>
+        <p:nvSpPr>
+          <p:cNvPr id="24" name="Rectangle 23">
+            <a:extLst>
+              <a:ext uri="{FF2B5EF4-FFF2-40B4-BE49-F238E27FC236}">
+                <a16:creationId xmlns:a16="http://schemas.microsoft.com/office/drawing/2014/main" id="{5F7E4CC4-3BD0-423D-A4F4-1A643124F776}"/>
+              </a:ext>
+            </a:extLst>
+          </p:cNvPr>
+          <p:cNvSpPr/>
+          <p:nvPr/>
+        </p:nvSpPr>
+        <p:spPr>
+          <a:xfrm>
+            <a:off x="7054430" y="6248505"/>
+            <a:ext cx="1374979" cy="317364"/>
+          </a:xfrm>
+          <a:prstGeom prst="rect">
+            <a:avLst/>
+          </a:prstGeom>
+          <a:solidFill>
+            <a:srgbClr val="769F9A"/>
+          </a:solidFill>
+          <a:ln>
+            <a:solidFill>
+              <a:srgbClr val="769F9A"/>
+            </a:solidFill>
+          </a:ln>
+        </p:spPr>
+        <p:style>
+          <a:lnRef idx="2">
+            <a:schemeClr val="accent1">
+              <a:shade val="50000"/>
+            </a:schemeClr>
+          </a:lnRef>
+          <a:fillRef idx="1">
+            <a:schemeClr val="accent1"/>
+          </a:fillRef>
+          <a:effectRef idx="0">
+            <a:schemeClr val="accent1"/>
+          </a:effectRef>
+          <a:fontRef idx="minor">
+            <a:schemeClr val="lt1"/>
+          </a:fontRef>
+        </p:style>
+        <p:txBody>
+          <a:bodyPr rtlCol="0" anchor="ctr"/>
+          <a:lstStyle/>
+          <a:p>
+            <a:pPr algn="ctr"/>
+            <a:r>
+              <a:rPr lang="en-PH" dirty="0"/>
+              <a:t>ADD</a:t>
+            </a:r>
+          </a:p>
+        </p:txBody>
+      </p:sp>
     </p:spTree>
     <p:extLst>
       <p:ext uri="{BB962C8B-B14F-4D97-AF65-F5344CB8AC3E}">
@@ -5583,6 +5860,285 @@
                 <a:srgbClr val="F7ABB1"/>
               </a:solidFill>
             </a:endParaRPr>
+          </a:p>
+        </p:txBody>
+      </p:sp>
+      <p:pic>
+        <p:nvPicPr>
+          <p:cNvPr id="8" name="Picture 7">
+            <a:extLst>
+              <a:ext uri="{FF2B5EF4-FFF2-40B4-BE49-F238E27FC236}">
+                <a16:creationId xmlns:a16="http://schemas.microsoft.com/office/drawing/2014/main" id="{AD4F7833-2F86-4AE0-9462-391A643ED65F}"/>
+              </a:ext>
+            </a:extLst>
+          </p:cNvPr>
+          <p:cNvPicPr>
+            <a:picLocks noChangeAspect="1"/>
+          </p:cNvPicPr>
+          <p:nvPr/>
+        </p:nvPicPr>
+        <p:blipFill>
+          <a:blip r:embed="rId2">
+            <a:extLst>
+              <a:ext uri="{28A0092B-C50C-407E-A947-70E740481C1C}">
+                <a14:useLocalDpi xmlns:a14="http://schemas.microsoft.com/office/drawing/2010/main" val="0"/>
+              </a:ext>
+            </a:extLst>
+          </a:blip>
+          <a:stretch>
+            <a:fillRect/>
+          </a:stretch>
+        </p:blipFill>
+        <p:spPr>
+          <a:xfrm>
+            <a:off x="1847851" y="166004"/>
+            <a:ext cx="764567" cy="716413"/>
+          </a:xfrm>
+          <a:prstGeom prst="rect">
+            <a:avLst/>
+          </a:prstGeom>
+        </p:spPr>
+      </p:pic>
+      <p:pic>
+        <p:nvPicPr>
+          <p:cNvPr id="9" name="Picture 8">
+            <a:extLst>
+              <a:ext uri="{FF2B5EF4-FFF2-40B4-BE49-F238E27FC236}">
+                <a16:creationId xmlns:a16="http://schemas.microsoft.com/office/drawing/2014/main" id="{CF0529AF-6218-43E7-B152-E019B0F5DDCC}"/>
+              </a:ext>
+            </a:extLst>
+          </p:cNvPr>
+          <p:cNvPicPr>
+            <a:picLocks noChangeAspect="1"/>
+          </p:cNvPicPr>
+          <p:nvPr/>
+        </p:nvPicPr>
+        <p:blipFill rotWithShape="1">
+          <a:blip r:embed="rId3">
+            <a:extLst>
+              <a:ext uri="{28A0092B-C50C-407E-A947-70E740481C1C}">
+                <a14:useLocalDpi xmlns:a14="http://schemas.microsoft.com/office/drawing/2010/main" val="0"/>
+              </a:ext>
+            </a:extLst>
+          </a:blip>
+          <a:srcRect l="14268" t="19337" r="18798" b="16476"/>
+          <a:stretch/>
+        </p:blipFill>
+        <p:spPr>
+          <a:xfrm>
+            <a:off x="6247263" y="245828"/>
+            <a:ext cx="719602" cy="690079"/>
+          </a:xfrm>
+          <a:prstGeom prst="rect">
+            <a:avLst/>
+          </a:prstGeom>
+        </p:spPr>
+      </p:pic>
+      <p:pic>
+        <p:nvPicPr>
+          <p:cNvPr id="10" name="Picture 2" descr="Green logo, Columns Android Application software, Green Back button  transparent background PNG clipart | HiClipart">
+            <a:extLst>
+              <a:ext uri="{FF2B5EF4-FFF2-40B4-BE49-F238E27FC236}">
+                <a16:creationId xmlns:a16="http://schemas.microsoft.com/office/drawing/2014/main" id="{F55FFC9C-EA88-47D0-904B-D05E7380BBF3}"/>
+              </a:ext>
+            </a:extLst>
+          </p:cNvPr>
+          <p:cNvPicPr>
+            <a:picLocks noChangeAspect="1" noChangeArrowheads="1"/>
+          </p:cNvPicPr>
+          <p:nvPr/>
+        </p:nvPicPr>
+        <p:blipFill>
+          <a:blip r:embed="rId4">
+            <a:extLst>
+              <a:ext uri="{28A0092B-C50C-407E-A947-70E740481C1C}">
+                <a14:useLocalDpi xmlns:a14="http://schemas.microsoft.com/office/drawing/2010/main" val="0"/>
+              </a:ext>
+            </a:extLst>
+          </a:blip>
+          <a:srcRect/>
+          <a:stretch>
+            <a:fillRect/>
+          </a:stretch>
+        </p:blipFill>
+        <p:spPr bwMode="auto">
+          <a:xfrm flipH="1">
+            <a:off x="8559277" y="204163"/>
+            <a:ext cx="731744" cy="731744"/>
+          </a:xfrm>
+          <a:prstGeom prst="rect">
+            <a:avLst/>
+          </a:prstGeom>
+          <a:noFill/>
+          <a:extLst>
+            <a:ext uri="{909E8E84-426E-40DD-AFC4-6F175D3DCCD1}">
+              <a14:hiddenFill xmlns:a14="http://schemas.microsoft.com/office/drawing/2010/main">
+                <a:solidFill>
+                  <a:srgbClr val="FFFFFF"/>
+                </a:solidFill>
+              </a14:hiddenFill>
+            </a:ext>
+          </a:extLst>
+        </p:spPr>
+      </p:pic>
+      <p:pic>
+        <p:nvPicPr>
+          <p:cNvPr id="11" name="Picture 2" descr="Green logo, Columns Android Application software, Green Back button  transparent background PNG clipart | HiClipart">
+            <a:extLst>
+              <a:ext uri="{FF2B5EF4-FFF2-40B4-BE49-F238E27FC236}">
+                <a16:creationId xmlns:a16="http://schemas.microsoft.com/office/drawing/2014/main" id="{1B97958A-5EB0-45DF-921D-1852C4B66369}"/>
+              </a:ext>
+            </a:extLst>
+          </p:cNvPr>
+          <p:cNvPicPr>
+            <a:picLocks noChangeAspect="1" noChangeArrowheads="1"/>
+          </p:cNvPicPr>
+          <p:nvPr/>
+        </p:nvPicPr>
+        <p:blipFill>
+          <a:blip r:embed="rId4">
+            <a:extLst>
+              <a:ext uri="{28A0092B-C50C-407E-A947-70E740481C1C}">
+                <a14:useLocalDpi xmlns:a14="http://schemas.microsoft.com/office/drawing/2010/main" val="0"/>
+              </a:ext>
+            </a:extLst>
+          </a:blip>
+          <a:srcRect/>
+          <a:stretch>
+            <a:fillRect/>
+          </a:stretch>
+        </p:blipFill>
+        <p:spPr bwMode="auto">
+          <a:xfrm flipH="1">
+            <a:off x="4301649" y="204163"/>
+            <a:ext cx="731744" cy="731744"/>
+          </a:xfrm>
+          <a:prstGeom prst="rect">
+            <a:avLst/>
+          </a:prstGeom>
+          <a:noFill/>
+          <a:extLst>
+            <a:ext uri="{909E8E84-426E-40DD-AFC4-6F175D3DCCD1}">
+              <a14:hiddenFill xmlns:a14="http://schemas.microsoft.com/office/drawing/2010/main">
+                <a:solidFill>
+                  <a:srgbClr val="FFFFFF"/>
+                </a:solidFill>
+              </a14:hiddenFill>
+            </a:ext>
+          </a:extLst>
+        </p:spPr>
+      </p:pic>
+      <p:sp>
+        <p:nvSpPr>
+          <p:cNvPr id="12" name="Rectangle 11">
+            <a:extLst>
+              <a:ext uri="{FF2B5EF4-FFF2-40B4-BE49-F238E27FC236}">
+                <a16:creationId xmlns:a16="http://schemas.microsoft.com/office/drawing/2014/main" id="{152CD30A-4A8E-457D-ABB8-7557AA956165}"/>
+              </a:ext>
+            </a:extLst>
+          </p:cNvPr>
+          <p:cNvSpPr/>
+          <p:nvPr/>
+        </p:nvSpPr>
+        <p:spPr>
+          <a:xfrm>
+            <a:off x="2322378" y="6248505"/>
+            <a:ext cx="1374979" cy="317364"/>
+          </a:xfrm>
+          <a:prstGeom prst="rect">
+            <a:avLst/>
+          </a:prstGeom>
+          <a:solidFill>
+            <a:srgbClr val="769F9A"/>
+          </a:solidFill>
+          <a:ln>
+            <a:solidFill>
+              <a:srgbClr val="769F9A"/>
+            </a:solidFill>
+          </a:ln>
+        </p:spPr>
+        <p:style>
+          <a:lnRef idx="2">
+            <a:schemeClr val="accent1">
+              <a:shade val="50000"/>
+            </a:schemeClr>
+          </a:lnRef>
+          <a:fillRef idx="1">
+            <a:schemeClr val="accent1"/>
+          </a:fillRef>
+          <a:effectRef idx="0">
+            <a:schemeClr val="accent1"/>
+          </a:effectRef>
+          <a:fontRef idx="minor">
+            <a:schemeClr val="lt1"/>
+          </a:fontRef>
+        </p:style>
+        <p:txBody>
+          <a:bodyPr rtlCol="0" anchor="ctr"/>
+          <a:lstStyle/>
+          <a:p>
+            <a:pPr algn="ctr"/>
+            <a:r>
+              <a:rPr lang="en-PH" dirty="0"/>
+              <a:t>ADD</a:t>
+            </a:r>
+          </a:p>
+        </p:txBody>
+      </p:sp>
+      <p:sp>
+        <p:nvSpPr>
+          <p:cNvPr id="13" name="Rectangle 12">
+            <a:extLst>
+              <a:ext uri="{FF2B5EF4-FFF2-40B4-BE49-F238E27FC236}">
+                <a16:creationId xmlns:a16="http://schemas.microsoft.com/office/drawing/2014/main" id="{39820AD5-E0C7-42D9-A91E-3F7FD2194EC0}"/>
+              </a:ext>
+            </a:extLst>
+          </p:cNvPr>
+          <p:cNvSpPr/>
+          <p:nvPr/>
+        </p:nvSpPr>
+        <p:spPr>
+          <a:xfrm>
+            <a:off x="7184298" y="6248505"/>
+            <a:ext cx="1374979" cy="317364"/>
+          </a:xfrm>
+          <a:prstGeom prst="rect">
+            <a:avLst/>
+          </a:prstGeom>
+          <a:solidFill>
+            <a:srgbClr val="769F9A"/>
+          </a:solidFill>
+          <a:ln>
+            <a:solidFill>
+              <a:srgbClr val="769F9A"/>
+            </a:solidFill>
+          </a:ln>
+        </p:spPr>
+        <p:style>
+          <a:lnRef idx="2">
+            <a:schemeClr val="accent1">
+              <a:shade val="50000"/>
+            </a:schemeClr>
+          </a:lnRef>
+          <a:fillRef idx="1">
+            <a:schemeClr val="accent1"/>
+          </a:fillRef>
+          <a:effectRef idx="0">
+            <a:schemeClr val="accent1"/>
+          </a:effectRef>
+          <a:fontRef idx="minor">
+            <a:schemeClr val="lt1"/>
+          </a:fontRef>
+        </p:style>
+        <p:txBody>
+          <a:bodyPr rtlCol="0" anchor="ctr"/>
+          <a:lstStyle/>
+          <a:p>
+            <a:pPr algn="ctr"/>
+            <a:r>
+              <a:rPr lang="en-PH" dirty="0"/>
+              <a:t>ADD</a:t>
+            </a:r>
           </a:p>
         </p:txBody>
       </p:sp>

--- a/Group1_PROJECT/DOCUMENTATION/DESIGN.pptx
+++ b/Group1_PROJECT/DOCUMENTATION/DESIGN.pptx
@@ -268,7 +268,7 @@
           <a:p>
             <a:fld id="{F832CBD2-4737-41F6-87A9-97F51954DF9E}" type="datetimeFigureOut">
               <a:rPr lang="en-PH" smtClean="0"/>
-              <a:t>09/03/2021</a:t>
+              <a:t>10/03/2021</a:t>
             </a:fld>
             <a:endParaRPr lang="en-PH"/>
           </a:p>
@@ -468,7 +468,7 @@
           <a:p>
             <a:fld id="{F832CBD2-4737-41F6-87A9-97F51954DF9E}" type="datetimeFigureOut">
               <a:rPr lang="en-PH" smtClean="0"/>
-              <a:t>09/03/2021</a:t>
+              <a:t>10/03/2021</a:t>
             </a:fld>
             <a:endParaRPr lang="en-PH"/>
           </a:p>
@@ -678,7 +678,7 @@
           <a:p>
             <a:fld id="{F832CBD2-4737-41F6-87A9-97F51954DF9E}" type="datetimeFigureOut">
               <a:rPr lang="en-PH" smtClean="0"/>
-              <a:t>09/03/2021</a:t>
+              <a:t>10/03/2021</a:t>
             </a:fld>
             <a:endParaRPr lang="en-PH"/>
           </a:p>
@@ -878,7 +878,7 @@
           <a:p>
             <a:fld id="{F832CBD2-4737-41F6-87A9-97F51954DF9E}" type="datetimeFigureOut">
               <a:rPr lang="en-PH" smtClean="0"/>
-              <a:t>09/03/2021</a:t>
+              <a:t>10/03/2021</a:t>
             </a:fld>
             <a:endParaRPr lang="en-PH"/>
           </a:p>
@@ -1154,7 +1154,7 @@
           <a:p>
             <a:fld id="{F832CBD2-4737-41F6-87A9-97F51954DF9E}" type="datetimeFigureOut">
               <a:rPr lang="en-PH" smtClean="0"/>
-              <a:t>09/03/2021</a:t>
+              <a:t>10/03/2021</a:t>
             </a:fld>
             <a:endParaRPr lang="en-PH"/>
           </a:p>
@@ -1422,7 +1422,7 @@
           <a:p>
             <a:fld id="{F832CBD2-4737-41F6-87A9-97F51954DF9E}" type="datetimeFigureOut">
               <a:rPr lang="en-PH" smtClean="0"/>
-              <a:t>09/03/2021</a:t>
+              <a:t>10/03/2021</a:t>
             </a:fld>
             <a:endParaRPr lang="en-PH"/>
           </a:p>
@@ -1837,7 +1837,7 @@
           <a:p>
             <a:fld id="{F832CBD2-4737-41F6-87A9-97F51954DF9E}" type="datetimeFigureOut">
               <a:rPr lang="en-PH" smtClean="0"/>
-              <a:t>09/03/2021</a:t>
+              <a:t>10/03/2021</a:t>
             </a:fld>
             <a:endParaRPr lang="en-PH"/>
           </a:p>
@@ -1979,7 +1979,7 @@
           <a:p>
             <a:fld id="{F832CBD2-4737-41F6-87A9-97F51954DF9E}" type="datetimeFigureOut">
               <a:rPr lang="en-PH" smtClean="0"/>
-              <a:t>09/03/2021</a:t>
+              <a:t>10/03/2021</a:t>
             </a:fld>
             <a:endParaRPr lang="en-PH"/>
           </a:p>
@@ -2092,7 +2092,7 @@
           <a:p>
             <a:fld id="{F832CBD2-4737-41F6-87A9-97F51954DF9E}" type="datetimeFigureOut">
               <a:rPr lang="en-PH" smtClean="0"/>
-              <a:t>09/03/2021</a:t>
+              <a:t>10/03/2021</a:t>
             </a:fld>
             <a:endParaRPr lang="en-PH"/>
           </a:p>
@@ -2405,7 +2405,7 @@
           <a:p>
             <a:fld id="{F832CBD2-4737-41F6-87A9-97F51954DF9E}" type="datetimeFigureOut">
               <a:rPr lang="en-PH" smtClean="0"/>
-              <a:t>09/03/2021</a:t>
+              <a:t>10/03/2021</a:t>
             </a:fld>
             <a:endParaRPr lang="en-PH"/>
           </a:p>
@@ -2694,7 +2694,7 @@
           <a:p>
             <a:fld id="{F832CBD2-4737-41F6-87A9-97F51954DF9E}" type="datetimeFigureOut">
               <a:rPr lang="en-PH" smtClean="0"/>
-              <a:t>09/03/2021</a:t>
+              <a:t>10/03/2021</a:t>
             </a:fld>
             <a:endParaRPr lang="en-PH"/>
           </a:p>
@@ -2937,7 +2937,7 @@
           <a:p>
             <a:fld id="{F832CBD2-4737-41F6-87A9-97F51954DF9E}" type="datetimeFigureOut">
               <a:rPr lang="en-PH" smtClean="0"/>
-              <a:t>09/03/2021</a:t>
+              <a:t>10/03/2021</a:t>
             </a:fld>
             <a:endParaRPr lang="en-PH"/>
           </a:p>
@@ -6222,6 +6222,116 @@
           </a:p>
         </p:txBody>
       </p:sp>
+      <p:sp>
+        <p:nvSpPr>
+          <p:cNvPr id="4" name="Rectangle 3">
+            <a:extLst>
+              <a:ext uri="{FF2B5EF4-FFF2-40B4-BE49-F238E27FC236}">
+                <a16:creationId xmlns:a16="http://schemas.microsoft.com/office/drawing/2014/main" id="{8F50FE6C-C011-4F6D-A2B1-D0413DB7B53A}"/>
+              </a:ext>
+            </a:extLst>
+          </p:cNvPr>
+          <p:cNvSpPr/>
+          <p:nvPr/>
+        </p:nvSpPr>
+        <p:spPr>
+          <a:xfrm>
+            <a:off x="1821180" y="130125"/>
+            <a:ext cx="3291840" cy="6597747"/>
+          </a:xfrm>
+          <a:prstGeom prst="rect">
+            <a:avLst/>
+          </a:prstGeom>
+          <a:solidFill>
+            <a:srgbClr val="FEF2EA"/>
+          </a:solidFill>
+        </p:spPr>
+        <p:style>
+          <a:lnRef idx="2">
+            <a:schemeClr val="dk1"/>
+          </a:lnRef>
+          <a:fillRef idx="1">
+            <a:schemeClr val="lt1"/>
+          </a:fillRef>
+          <a:effectRef idx="0">
+            <a:schemeClr val="dk1"/>
+          </a:effectRef>
+          <a:fontRef idx="minor">
+            <a:schemeClr val="dk1"/>
+          </a:fontRef>
+        </p:style>
+        <p:txBody>
+          <a:bodyPr rtlCol="0" anchor="ctr"/>
+          <a:lstStyle/>
+          <a:p>
+            <a:pPr algn="ctr"/>
+            <a:endParaRPr lang="en-PH" dirty="0"/>
+          </a:p>
+          <a:p>
+            <a:pPr algn="ctr"/>
+            <a:endParaRPr lang="en-PH" sz="3200" dirty="0">
+              <a:solidFill>
+                <a:srgbClr val="F7ABB1"/>
+              </a:solidFill>
+            </a:endParaRPr>
+          </a:p>
+        </p:txBody>
+      </p:sp>
+      <p:sp>
+        <p:nvSpPr>
+          <p:cNvPr id="5" name="Rectangle 4">
+            <a:extLst>
+              <a:ext uri="{FF2B5EF4-FFF2-40B4-BE49-F238E27FC236}">
+                <a16:creationId xmlns:a16="http://schemas.microsoft.com/office/drawing/2014/main" id="{84AA6937-2DBE-4D0D-B3A1-25F3D14C8256}"/>
+              </a:ext>
+            </a:extLst>
+          </p:cNvPr>
+          <p:cNvSpPr/>
+          <p:nvPr/>
+        </p:nvSpPr>
+        <p:spPr>
+          <a:xfrm>
+            <a:off x="6254032" y="73803"/>
+            <a:ext cx="3291840" cy="6597747"/>
+          </a:xfrm>
+          <a:prstGeom prst="rect">
+            <a:avLst/>
+          </a:prstGeom>
+          <a:solidFill>
+            <a:srgbClr val="FEF2EA"/>
+          </a:solidFill>
+        </p:spPr>
+        <p:style>
+          <a:lnRef idx="2">
+            <a:schemeClr val="dk1"/>
+          </a:lnRef>
+          <a:fillRef idx="1">
+            <a:schemeClr val="lt1"/>
+          </a:fillRef>
+          <a:effectRef idx="0">
+            <a:schemeClr val="dk1"/>
+          </a:effectRef>
+          <a:fontRef idx="minor">
+            <a:schemeClr val="dk1"/>
+          </a:fontRef>
+        </p:style>
+        <p:txBody>
+          <a:bodyPr rtlCol="0" anchor="ctr"/>
+          <a:lstStyle/>
+          <a:p>
+            <a:pPr algn="ctr"/>
+            <a:endParaRPr lang="en-PH" dirty="0"/>
+          </a:p>
+          <a:p>
+            <a:pPr algn="ctr"/>
+            <a:endParaRPr lang="en-PH" sz="3200" dirty="0">
+              <a:solidFill>
+                <a:srgbClr val="F7ABB1"/>
+              </a:solidFill>
+            </a:endParaRPr>
+          </a:p>
+        </p:txBody>
+      </p:sp>
     </p:spTree>
     <p:extLst>
       <p:ext uri="{BB962C8B-B14F-4D97-AF65-F5344CB8AC3E}">

--- a/Group1_PROJECT/DOCUMENTATION/DESIGN.pptx
+++ b/Group1_PROJECT/DOCUMENTATION/DESIGN.pptx
@@ -5601,7 +5601,7 @@
         </p:blipFill>
         <p:spPr bwMode="auto">
           <a:xfrm flipH="1">
-            <a:off x="3843479" y="185614"/>
+            <a:off x="3740283" y="235342"/>
             <a:ext cx="731744" cy="731744"/>
           </a:xfrm>
           <a:prstGeom prst="rect">
@@ -5723,6 +5723,76 @@
           </a:p>
         </p:txBody>
       </p:sp>
+      <p:pic>
+        <p:nvPicPr>
+          <p:cNvPr id="10" name="Picture 9">
+            <a:extLst>
+              <a:ext uri="{FF2B5EF4-FFF2-40B4-BE49-F238E27FC236}">
+                <a16:creationId xmlns:a16="http://schemas.microsoft.com/office/drawing/2014/main" id="{D02C0DBD-769F-42C4-913D-00A239AC0649}"/>
+              </a:ext>
+            </a:extLst>
+          </p:cNvPr>
+          <p:cNvPicPr>
+            <a:picLocks noChangeAspect="1"/>
+          </p:cNvPicPr>
+          <p:nvPr/>
+        </p:nvPicPr>
+        <p:blipFill rotWithShape="1">
+          <a:blip r:embed="rId5">
+            <a:extLst>
+              <a:ext uri="{28A0092B-C50C-407E-A947-70E740481C1C}">
+                <a14:useLocalDpi xmlns:a14="http://schemas.microsoft.com/office/drawing/2010/main" val="0"/>
+              </a:ext>
+            </a:extLst>
+          </a:blip>
+          <a:srcRect l="22908" t="19587" r="27725" b="22420"/>
+          <a:stretch/>
+        </p:blipFill>
+        <p:spPr>
+          <a:xfrm>
+            <a:off x="1781092" y="2163559"/>
+            <a:ext cx="2343647" cy="2753139"/>
+          </a:xfrm>
+          <a:prstGeom prst="rect">
+            <a:avLst/>
+          </a:prstGeom>
+        </p:spPr>
+      </p:pic>
+      <p:pic>
+        <p:nvPicPr>
+          <p:cNvPr id="11" name="Picture 10">
+            <a:extLst>
+              <a:ext uri="{FF2B5EF4-FFF2-40B4-BE49-F238E27FC236}">
+                <a16:creationId xmlns:a16="http://schemas.microsoft.com/office/drawing/2014/main" id="{AE1BBEF8-22E4-48AA-AA1B-5DBF121296D8}"/>
+              </a:ext>
+            </a:extLst>
+          </p:cNvPr>
+          <p:cNvPicPr>
+            <a:picLocks noChangeAspect="1"/>
+          </p:cNvPicPr>
+          <p:nvPr/>
+        </p:nvPicPr>
+        <p:blipFill rotWithShape="1">
+          <a:blip r:embed="rId5">
+            <a:extLst>
+              <a:ext uri="{28A0092B-C50C-407E-A947-70E740481C1C}">
+                <a14:useLocalDpi xmlns:a14="http://schemas.microsoft.com/office/drawing/2010/main" val="0"/>
+              </a:ext>
+            </a:extLst>
+          </a:blip>
+          <a:srcRect l="22908" t="19587" r="27725" b="22420"/>
+          <a:stretch/>
+        </p:blipFill>
+        <p:spPr>
+          <a:xfrm>
+            <a:off x="6810292" y="2163559"/>
+            <a:ext cx="2343647" cy="2753139"/>
+          </a:xfrm>
+          <a:prstGeom prst="rect">
+            <a:avLst/>
+          </a:prstGeom>
+        </p:spPr>
+      </p:pic>
     </p:spTree>
     <p:extLst>
       <p:ext uri="{BB962C8B-B14F-4D97-AF65-F5344CB8AC3E}">
@@ -6142,6 +6212,76 @@
           </a:p>
         </p:txBody>
       </p:sp>
+      <p:pic>
+        <p:nvPicPr>
+          <p:cNvPr id="14" name="Picture 13">
+            <a:extLst>
+              <a:ext uri="{FF2B5EF4-FFF2-40B4-BE49-F238E27FC236}">
+                <a16:creationId xmlns:a16="http://schemas.microsoft.com/office/drawing/2014/main" id="{F2722FF4-3935-4E0B-997E-CBC3EF66B185}"/>
+              </a:ext>
+            </a:extLst>
+          </p:cNvPr>
+          <p:cNvPicPr>
+            <a:picLocks noChangeAspect="1"/>
+          </p:cNvPicPr>
+          <p:nvPr/>
+        </p:nvPicPr>
+        <p:blipFill rotWithShape="1">
+          <a:blip r:embed="rId5">
+            <a:extLst>
+              <a:ext uri="{28A0092B-C50C-407E-A947-70E740481C1C}">
+                <a14:useLocalDpi xmlns:a14="http://schemas.microsoft.com/office/drawing/2010/main" val="0"/>
+              </a:ext>
+            </a:extLst>
+          </a:blip>
+          <a:srcRect l="22908" t="19587" r="27725" b="22420"/>
+          <a:stretch/>
+        </p:blipFill>
+        <p:spPr>
+          <a:xfrm>
+            <a:off x="2230134" y="2188891"/>
+            <a:ext cx="2343647" cy="2753139"/>
+          </a:xfrm>
+          <a:prstGeom prst="rect">
+            <a:avLst/>
+          </a:prstGeom>
+        </p:spPr>
+      </p:pic>
+      <p:pic>
+        <p:nvPicPr>
+          <p:cNvPr id="15" name="Picture 14">
+            <a:extLst>
+              <a:ext uri="{FF2B5EF4-FFF2-40B4-BE49-F238E27FC236}">
+                <a16:creationId xmlns:a16="http://schemas.microsoft.com/office/drawing/2014/main" id="{576005A9-5E27-4A00-B9F5-5188BB092F0D}"/>
+              </a:ext>
+            </a:extLst>
+          </p:cNvPr>
+          <p:cNvPicPr>
+            <a:picLocks noChangeAspect="1"/>
+          </p:cNvPicPr>
+          <p:nvPr/>
+        </p:nvPicPr>
+        <p:blipFill rotWithShape="1">
+          <a:blip r:embed="rId5">
+            <a:extLst>
+              <a:ext uri="{28A0092B-C50C-407E-A947-70E740481C1C}">
+                <a14:useLocalDpi xmlns:a14="http://schemas.microsoft.com/office/drawing/2010/main" val="0"/>
+              </a:ext>
+            </a:extLst>
+          </a:blip>
+          <a:srcRect l="22908" t="19587" r="27725" b="22420"/>
+          <a:stretch/>
+        </p:blipFill>
+        <p:spPr>
+          <a:xfrm>
+            <a:off x="6570096" y="2189757"/>
+            <a:ext cx="2343647" cy="2753139"/>
+          </a:xfrm>
+          <a:prstGeom prst="rect">
+            <a:avLst/>
+          </a:prstGeom>
+        </p:spPr>
+      </p:pic>
     </p:spTree>
     <p:extLst>
       <p:ext uri="{BB962C8B-B14F-4D97-AF65-F5344CB8AC3E}">

--- a/Group1_PROJECT/DOCUMENTATION/DESIGN.pptx
+++ b/Group1_PROJECT/DOCUMENTATION/DESIGN.pptx
@@ -268,7 +268,7 @@
           <a:p>
             <a:fld id="{F832CBD2-4737-41F6-87A9-97F51954DF9E}" type="datetimeFigureOut">
               <a:rPr lang="en-PH" smtClean="0"/>
-              <a:t>10/03/2021</a:t>
+              <a:t>13/03/2021</a:t>
             </a:fld>
             <a:endParaRPr lang="en-PH"/>
           </a:p>
@@ -468,7 +468,7 @@
           <a:p>
             <a:fld id="{F832CBD2-4737-41F6-87A9-97F51954DF9E}" type="datetimeFigureOut">
               <a:rPr lang="en-PH" smtClean="0"/>
-              <a:t>10/03/2021</a:t>
+              <a:t>13/03/2021</a:t>
             </a:fld>
             <a:endParaRPr lang="en-PH"/>
           </a:p>
@@ -678,7 +678,7 @@
           <a:p>
             <a:fld id="{F832CBD2-4737-41F6-87A9-97F51954DF9E}" type="datetimeFigureOut">
               <a:rPr lang="en-PH" smtClean="0"/>
-              <a:t>10/03/2021</a:t>
+              <a:t>13/03/2021</a:t>
             </a:fld>
             <a:endParaRPr lang="en-PH"/>
           </a:p>
@@ -878,7 +878,7 @@
           <a:p>
             <a:fld id="{F832CBD2-4737-41F6-87A9-97F51954DF9E}" type="datetimeFigureOut">
               <a:rPr lang="en-PH" smtClean="0"/>
-              <a:t>10/03/2021</a:t>
+              <a:t>13/03/2021</a:t>
             </a:fld>
             <a:endParaRPr lang="en-PH"/>
           </a:p>
@@ -1154,7 +1154,7 @@
           <a:p>
             <a:fld id="{F832CBD2-4737-41F6-87A9-97F51954DF9E}" type="datetimeFigureOut">
               <a:rPr lang="en-PH" smtClean="0"/>
-              <a:t>10/03/2021</a:t>
+              <a:t>13/03/2021</a:t>
             </a:fld>
             <a:endParaRPr lang="en-PH"/>
           </a:p>
@@ -1422,7 +1422,7 @@
           <a:p>
             <a:fld id="{F832CBD2-4737-41F6-87A9-97F51954DF9E}" type="datetimeFigureOut">
               <a:rPr lang="en-PH" smtClean="0"/>
-              <a:t>10/03/2021</a:t>
+              <a:t>13/03/2021</a:t>
             </a:fld>
             <a:endParaRPr lang="en-PH"/>
           </a:p>
@@ -1837,7 +1837,7 @@
           <a:p>
             <a:fld id="{F832CBD2-4737-41F6-87A9-97F51954DF9E}" type="datetimeFigureOut">
               <a:rPr lang="en-PH" smtClean="0"/>
-              <a:t>10/03/2021</a:t>
+              <a:t>13/03/2021</a:t>
             </a:fld>
             <a:endParaRPr lang="en-PH"/>
           </a:p>
@@ -1979,7 +1979,7 @@
           <a:p>
             <a:fld id="{F832CBD2-4737-41F6-87A9-97F51954DF9E}" type="datetimeFigureOut">
               <a:rPr lang="en-PH" smtClean="0"/>
-              <a:t>10/03/2021</a:t>
+              <a:t>13/03/2021</a:t>
             </a:fld>
             <a:endParaRPr lang="en-PH"/>
           </a:p>
@@ -2092,7 +2092,7 @@
           <a:p>
             <a:fld id="{F832CBD2-4737-41F6-87A9-97F51954DF9E}" type="datetimeFigureOut">
               <a:rPr lang="en-PH" smtClean="0"/>
-              <a:t>10/03/2021</a:t>
+              <a:t>13/03/2021</a:t>
             </a:fld>
             <a:endParaRPr lang="en-PH"/>
           </a:p>
@@ -2405,7 +2405,7 @@
           <a:p>
             <a:fld id="{F832CBD2-4737-41F6-87A9-97F51954DF9E}" type="datetimeFigureOut">
               <a:rPr lang="en-PH" smtClean="0"/>
-              <a:t>10/03/2021</a:t>
+              <a:t>13/03/2021</a:t>
             </a:fld>
             <a:endParaRPr lang="en-PH"/>
           </a:p>
@@ -2694,7 +2694,7 @@
           <a:p>
             <a:fld id="{F832CBD2-4737-41F6-87A9-97F51954DF9E}" type="datetimeFigureOut">
               <a:rPr lang="en-PH" smtClean="0"/>
-              <a:t>10/03/2021</a:t>
+              <a:t>13/03/2021</a:t>
             </a:fld>
             <a:endParaRPr lang="en-PH"/>
           </a:p>
@@ -2937,7 +2937,7 @@
           <a:p>
             <a:fld id="{F832CBD2-4737-41F6-87A9-97F51954DF9E}" type="datetimeFigureOut">
               <a:rPr lang="en-PH" smtClean="0"/>
-              <a:t>10/03/2021</a:t>
+              <a:t>13/03/2021</a:t>
             </a:fld>
             <a:endParaRPr lang="en-PH"/>
           </a:p>
@@ -5494,7 +5494,7 @@
         </p:nvSpPr>
         <p:spPr>
           <a:xfrm>
-            <a:off x="2322378" y="6248505"/>
+            <a:off x="2478354" y="6248505"/>
             <a:ext cx="1374979" cy="317364"/>
           </a:xfrm>
           <a:prstGeom prst="rect">
@@ -5572,100 +5572,6 @@
           </a:prstGeom>
         </p:spPr>
       </p:pic>
-      <p:pic>
-        <p:nvPicPr>
-          <p:cNvPr id="1026" name="Picture 2" descr="Green logo, Columns Android Application software, Green Back button  transparent background PNG clipart | HiClipart">
-            <a:extLst>
-              <a:ext uri="{FF2B5EF4-FFF2-40B4-BE49-F238E27FC236}">
-                <a16:creationId xmlns:a16="http://schemas.microsoft.com/office/drawing/2014/main" id="{B7B1930E-D145-47CE-881E-2C6893776A25}"/>
-              </a:ext>
-            </a:extLst>
-          </p:cNvPr>
-          <p:cNvPicPr>
-            <a:picLocks noChangeAspect="1" noChangeArrowheads="1"/>
-          </p:cNvPicPr>
-          <p:nvPr/>
-        </p:nvPicPr>
-        <p:blipFill>
-          <a:blip r:embed="rId4">
-            <a:extLst>
-              <a:ext uri="{28A0092B-C50C-407E-A947-70E740481C1C}">
-                <a14:useLocalDpi xmlns:a14="http://schemas.microsoft.com/office/drawing/2010/main" val="0"/>
-              </a:ext>
-            </a:extLst>
-          </a:blip>
-          <a:srcRect/>
-          <a:stretch>
-            <a:fillRect/>
-          </a:stretch>
-        </p:blipFill>
-        <p:spPr bwMode="auto">
-          <a:xfrm flipH="1">
-            <a:off x="3740283" y="235342"/>
-            <a:ext cx="731744" cy="731744"/>
-          </a:xfrm>
-          <a:prstGeom prst="rect">
-            <a:avLst/>
-          </a:prstGeom>
-          <a:noFill/>
-          <a:extLst>
-            <a:ext uri="{909E8E84-426E-40DD-AFC4-6F175D3DCCD1}">
-              <a14:hiddenFill xmlns:a14="http://schemas.microsoft.com/office/drawing/2010/main">
-                <a:solidFill>
-                  <a:srgbClr val="FFFFFF"/>
-                </a:solidFill>
-              </a14:hiddenFill>
-            </a:ext>
-          </a:extLst>
-        </p:spPr>
-      </p:pic>
-      <p:pic>
-        <p:nvPicPr>
-          <p:cNvPr id="23" name="Picture 2" descr="Green logo, Columns Android Application software, Green Back button  transparent background PNG clipart | HiClipart">
-            <a:extLst>
-              <a:ext uri="{FF2B5EF4-FFF2-40B4-BE49-F238E27FC236}">
-                <a16:creationId xmlns:a16="http://schemas.microsoft.com/office/drawing/2014/main" id="{421AE7D3-5D7D-4573-99C3-EAB7DB7EFAC2}"/>
-              </a:ext>
-            </a:extLst>
-          </p:cNvPr>
-          <p:cNvPicPr>
-            <a:picLocks noChangeAspect="1" noChangeArrowheads="1"/>
-          </p:cNvPicPr>
-          <p:nvPr/>
-        </p:nvPicPr>
-        <p:blipFill>
-          <a:blip r:embed="rId4">
-            <a:extLst>
-              <a:ext uri="{28A0092B-C50C-407E-A947-70E740481C1C}">
-                <a14:useLocalDpi xmlns:a14="http://schemas.microsoft.com/office/drawing/2010/main" val="0"/>
-              </a:ext>
-            </a:extLst>
-          </a:blip>
-          <a:srcRect/>
-          <a:stretch>
-            <a:fillRect/>
-          </a:stretch>
-        </p:blipFill>
-        <p:spPr bwMode="auto">
-          <a:xfrm flipH="1">
-            <a:off x="8656096" y="185614"/>
-            <a:ext cx="731744" cy="731744"/>
-          </a:xfrm>
-          <a:prstGeom prst="rect">
-            <a:avLst/>
-          </a:prstGeom>
-          <a:noFill/>
-          <a:extLst>
-            <a:ext uri="{909E8E84-426E-40DD-AFC4-6F175D3DCCD1}">
-              <a14:hiddenFill xmlns:a14="http://schemas.microsoft.com/office/drawing/2010/main">
-                <a:solidFill>
-                  <a:srgbClr val="FFFFFF"/>
-                </a:solidFill>
-              </a14:hiddenFill>
-            </a:ext>
-          </a:extLst>
-        </p:spPr>
-      </p:pic>
       <p:sp>
         <p:nvSpPr>
           <p:cNvPr id="24" name="Rectangle 23">
@@ -5680,7 +5586,7 @@
         </p:nvSpPr>
         <p:spPr>
           <a:xfrm>
-            <a:off x="7054430" y="6248505"/>
+            <a:off x="7191036" y="6267800"/>
             <a:ext cx="1374979" cy="317364"/>
           </a:xfrm>
           <a:prstGeom prst="rect">
@@ -5738,7 +5644,7 @@
           <p:nvPr/>
         </p:nvPicPr>
         <p:blipFill rotWithShape="1">
-          <a:blip r:embed="rId5">
+          <a:blip r:embed="rId4">
             <a:extLst>
               <a:ext uri="{28A0092B-C50C-407E-A947-70E740481C1C}">
                 <a14:useLocalDpi xmlns:a14="http://schemas.microsoft.com/office/drawing/2010/main" val="0"/>
@@ -5773,7 +5679,7 @@
           <p:nvPr/>
         </p:nvPicPr>
         <p:blipFill rotWithShape="1">
-          <a:blip r:embed="rId5">
+          <a:blip r:embed="rId4">
             <a:extLst>
               <a:ext uri="{28A0092B-C50C-407E-A947-70E740481C1C}">
                 <a14:useLocalDpi xmlns:a14="http://schemas.microsoft.com/office/drawing/2010/main" val="0"/>
@@ -5787,6 +5693,78 @@
           <a:xfrm>
             <a:off x="6810292" y="2163559"/>
             <a:ext cx="2343647" cy="2753139"/>
+          </a:xfrm>
+          <a:prstGeom prst="rect">
+            <a:avLst/>
+          </a:prstGeom>
+        </p:spPr>
+      </p:pic>
+      <p:pic>
+        <p:nvPicPr>
+          <p:cNvPr id="5" name="Picture 4">
+            <a:extLst>
+              <a:ext uri="{FF2B5EF4-FFF2-40B4-BE49-F238E27FC236}">
+                <a16:creationId xmlns:a16="http://schemas.microsoft.com/office/drawing/2014/main" id="{233E763E-A9C1-405A-AD42-869137B17B4E}"/>
+              </a:ext>
+            </a:extLst>
+          </p:cNvPr>
+          <p:cNvPicPr>
+            <a:picLocks noChangeAspect="1"/>
+          </p:cNvPicPr>
+          <p:nvPr/>
+        </p:nvPicPr>
+        <p:blipFill>
+          <a:blip r:embed="rId5">
+            <a:extLst>
+              <a:ext uri="{28A0092B-C50C-407E-A947-70E740481C1C}">
+                <a14:useLocalDpi xmlns:a14="http://schemas.microsoft.com/office/drawing/2010/main" val="0"/>
+              </a:ext>
+            </a:extLst>
+          </a:blip>
+          <a:stretch>
+            <a:fillRect/>
+          </a:stretch>
+        </p:blipFill>
+        <p:spPr>
+          <a:xfrm>
+            <a:off x="3853333" y="124800"/>
+            <a:ext cx="821825" cy="821825"/>
+          </a:xfrm>
+          <a:prstGeom prst="rect">
+            <a:avLst/>
+          </a:prstGeom>
+        </p:spPr>
+      </p:pic>
+      <p:pic>
+        <p:nvPicPr>
+          <p:cNvPr id="14" name="Picture 13">
+            <a:extLst>
+              <a:ext uri="{FF2B5EF4-FFF2-40B4-BE49-F238E27FC236}">
+                <a16:creationId xmlns:a16="http://schemas.microsoft.com/office/drawing/2014/main" id="{A27CA27F-DF53-4C7B-A718-F4C010686F6C}"/>
+              </a:ext>
+            </a:extLst>
+          </p:cNvPr>
+          <p:cNvPicPr>
+            <a:picLocks noChangeAspect="1"/>
+          </p:cNvPicPr>
+          <p:nvPr/>
+        </p:nvPicPr>
+        <p:blipFill>
+          <a:blip r:embed="rId5">
+            <a:extLst>
+              <a:ext uri="{28A0092B-C50C-407E-A947-70E740481C1C}">
+                <a14:useLocalDpi xmlns:a14="http://schemas.microsoft.com/office/drawing/2010/main" val="0"/>
+              </a:ext>
+            </a:extLst>
+          </a:blip>
+          <a:stretch>
+            <a:fillRect/>
+          </a:stretch>
+        </p:blipFill>
+        <p:spPr>
+          <a:xfrm>
+            <a:off x="8566015" y="95533"/>
+            <a:ext cx="821825" cy="821825"/>
           </a:xfrm>
           <a:prstGeom prst="rect">
             <a:avLst/>
@@ -6004,100 +5982,6 @@
           </a:prstGeom>
         </p:spPr>
       </p:pic>
-      <p:pic>
-        <p:nvPicPr>
-          <p:cNvPr id="10" name="Picture 2" descr="Green logo, Columns Android Application software, Green Back button  transparent background PNG clipart | HiClipart">
-            <a:extLst>
-              <a:ext uri="{FF2B5EF4-FFF2-40B4-BE49-F238E27FC236}">
-                <a16:creationId xmlns:a16="http://schemas.microsoft.com/office/drawing/2014/main" id="{F55FFC9C-EA88-47D0-904B-D05E7380BBF3}"/>
-              </a:ext>
-            </a:extLst>
-          </p:cNvPr>
-          <p:cNvPicPr>
-            <a:picLocks noChangeAspect="1" noChangeArrowheads="1"/>
-          </p:cNvPicPr>
-          <p:nvPr/>
-        </p:nvPicPr>
-        <p:blipFill>
-          <a:blip r:embed="rId4">
-            <a:extLst>
-              <a:ext uri="{28A0092B-C50C-407E-A947-70E740481C1C}">
-                <a14:useLocalDpi xmlns:a14="http://schemas.microsoft.com/office/drawing/2010/main" val="0"/>
-              </a:ext>
-            </a:extLst>
-          </a:blip>
-          <a:srcRect/>
-          <a:stretch>
-            <a:fillRect/>
-          </a:stretch>
-        </p:blipFill>
-        <p:spPr bwMode="auto">
-          <a:xfrm flipH="1">
-            <a:off x="8559277" y="204163"/>
-            <a:ext cx="731744" cy="731744"/>
-          </a:xfrm>
-          <a:prstGeom prst="rect">
-            <a:avLst/>
-          </a:prstGeom>
-          <a:noFill/>
-          <a:extLst>
-            <a:ext uri="{909E8E84-426E-40DD-AFC4-6F175D3DCCD1}">
-              <a14:hiddenFill xmlns:a14="http://schemas.microsoft.com/office/drawing/2010/main">
-                <a:solidFill>
-                  <a:srgbClr val="FFFFFF"/>
-                </a:solidFill>
-              </a14:hiddenFill>
-            </a:ext>
-          </a:extLst>
-        </p:spPr>
-      </p:pic>
-      <p:pic>
-        <p:nvPicPr>
-          <p:cNvPr id="11" name="Picture 2" descr="Green logo, Columns Android Application software, Green Back button  transparent background PNG clipart | HiClipart">
-            <a:extLst>
-              <a:ext uri="{FF2B5EF4-FFF2-40B4-BE49-F238E27FC236}">
-                <a16:creationId xmlns:a16="http://schemas.microsoft.com/office/drawing/2014/main" id="{1B97958A-5EB0-45DF-921D-1852C4B66369}"/>
-              </a:ext>
-            </a:extLst>
-          </p:cNvPr>
-          <p:cNvPicPr>
-            <a:picLocks noChangeAspect="1" noChangeArrowheads="1"/>
-          </p:cNvPicPr>
-          <p:nvPr/>
-        </p:nvPicPr>
-        <p:blipFill>
-          <a:blip r:embed="rId4">
-            <a:extLst>
-              <a:ext uri="{28A0092B-C50C-407E-A947-70E740481C1C}">
-                <a14:useLocalDpi xmlns:a14="http://schemas.microsoft.com/office/drawing/2010/main" val="0"/>
-              </a:ext>
-            </a:extLst>
-          </a:blip>
-          <a:srcRect/>
-          <a:stretch>
-            <a:fillRect/>
-          </a:stretch>
-        </p:blipFill>
-        <p:spPr bwMode="auto">
-          <a:xfrm flipH="1">
-            <a:off x="4301649" y="204163"/>
-            <a:ext cx="731744" cy="731744"/>
-          </a:xfrm>
-          <a:prstGeom prst="rect">
-            <a:avLst/>
-          </a:prstGeom>
-          <a:noFill/>
-          <a:extLst>
-            <a:ext uri="{909E8E84-426E-40DD-AFC4-6F175D3DCCD1}">
-              <a14:hiddenFill xmlns:a14="http://schemas.microsoft.com/office/drawing/2010/main">
-                <a:solidFill>
-                  <a:srgbClr val="FFFFFF"/>
-                </a:solidFill>
-              </a14:hiddenFill>
-            </a:ext>
-          </a:extLst>
-        </p:spPr>
-      </p:pic>
       <p:sp>
         <p:nvSpPr>
           <p:cNvPr id="12" name="Rectangle 11">
@@ -6112,7 +5996,7 @@
         </p:nvSpPr>
         <p:spPr>
           <a:xfrm>
-            <a:off x="2322378" y="6248505"/>
+            <a:off x="2612418" y="6248505"/>
             <a:ext cx="1374979" cy="317364"/>
           </a:xfrm>
           <a:prstGeom prst="rect">
@@ -6227,7 +6111,7 @@
           <p:nvPr/>
         </p:nvPicPr>
         <p:blipFill rotWithShape="1">
-          <a:blip r:embed="rId5">
+          <a:blip r:embed="rId4">
             <a:extLst>
               <a:ext uri="{28A0092B-C50C-407E-A947-70E740481C1C}">
                 <a14:useLocalDpi xmlns:a14="http://schemas.microsoft.com/office/drawing/2010/main" val="0"/>
@@ -6262,7 +6146,7 @@
           <p:nvPr/>
         </p:nvPicPr>
         <p:blipFill rotWithShape="1">
-          <a:blip r:embed="rId5">
+          <a:blip r:embed="rId4">
             <a:extLst>
               <a:ext uri="{28A0092B-C50C-407E-A947-70E740481C1C}">
                 <a14:useLocalDpi xmlns:a14="http://schemas.microsoft.com/office/drawing/2010/main" val="0"/>
@@ -6276,6 +6160,78 @@
           <a:xfrm>
             <a:off x="6570096" y="2189757"/>
             <a:ext cx="2343647" cy="2753139"/>
+          </a:xfrm>
+          <a:prstGeom prst="rect">
+            <a:avLst/>
+          </a:prstGeom>
+        </p:spPr>
+      </p:pic>
+      <p:pic>
+        <p:nvPicPr>
+          <p:cNvPr id="16" name="Picture 15">
+            <a:extLst>
+              <a:ext uri="{FF2B5EF4-FFF2-40B4-BE49-F238E27FC236}">
+                <a16:creationId xmlns:a16="http://schemas.microsoft.com/office/drawing/2014/main" id="{532485E9-A8BA-422E-B632-55D84B2E4CF4}"/>
+              </a:ext>
+            </a:extLst>
+          </p:cNvPr>
+          <p:cNvPicPr>
+            <a:picLocks noChangeAspect="1"/>
+          </p:cNvPicPr>
+          <p:nvPr/>
+        </p:nvPicPr>
+        <p:blipFill>
+          <a:blip r:embed="rId5">
+            <a:extLst>
+              <a:ext uri="{28A0092B-C50C-407E-A947-70E740481C1C}">
+                <a14:useLocalDpi xmlns:a14="http://schemas.microsoft.com/office/drawing/2010/main" val="0"/>
+              </a:ext>
+            </a:extLst>
+          </a:blip>
+          <a:stretch>
+            <a:fillRect/>
+          </a:stretch>
+        </p:blipFill>
+        <p:spPr>
+          <a:xfrm>
+            <a:off x="4204830" y="179954"/>
+            <a:ext cx="821825" cy="821825"/>
+          </a:xfrm>
+          <a:prstGeom prst="rect">
+            <a:avLst/>
+          </a:prstGeom>
+        </p:spPr>
+      </p:pic>
+      <p:pic>
+        <p:nvPicPr>
+          <p:cNvPr id="17" name="Picture 16">
+            <a:extLst>
+              <a:ext uri="{FF2B5EF4-FFF2-40B4-BE49-F238E27FC236}">
+                <a16:creationId xmlns:a16="http://schemas.microsoft.com/office/drawing/2014/main" id="{35D5A057-60C7-4548-BF1F-9B55858E008B}"/>
+              </a:ext>
+            </a:extLst>
+          </p:cNvPr>
+          <p:cNvPicPr>
+            <a:picLocks noChangeAspect="1"/>
+          </p:cNvPicPr>
+          <p:nvPr/>
+        </p:nvPicPr>
+        <p:blipFill>
+          <a:blip r:embed="rId5">
+            <a:extLst>
+              <a:ext uri="{28A0092B-C50C-407E-A947-70E740481C1C}">
+                <a14:useLocalDpi xmlns:a14="http://schemas.microsoft.com/office/drawing/2010/main" val="0"/>
+              </a:ext>
+            </a:extLst>
+          </a:blip>
+          <a:stretch>
+            <a:fillRect/>
+          </a:stretch>
+        </p:blipFill>
+        <p:spPr>
+          <a:xfrm>
+            <a:off x="8566015" y="113297"/>
+            <a:ext cx="821825" cy="821825"/>
           </a:xfrm>
           <a:prstGeom prst="rect">
             <a:avLst/>

--- a/Group1_PROJECT/DOCUMENTATION/DESIGN.pptx
+++ b/Group1_PROJECT/DOCUMENTATION/DESIGN.pptx
@@ -4650,10 +4650,10 @@
       </p:sp>
       <p:sp>
         <p:nvSpPr>
-          <p:cNvPr id="2" name="Oval 1">
-            <a:extLst>
-              <a:ext uri="{FF2B5EF4-FFF2-40B4-BE49-F238E27FC236}">
-                <a16:creationId xmlns:a16="http://schemas.microsoft.com/office/drawing/2014/main" id="{8E228E40-E1F9-402D-A02C-9FB2E77AE31C}"/>
+          <p:cNvPr id="10" name="Rectangle 9">
+            <a:extLst>
+              <a:ext uri="{FF2B5EF4-FFF2-40B4-BE49-F238E27FC236}">
+                <a16:creationId xmlns:a16="http://schemas.microsoft.com/office/drawing/2014/main" id="{5DAA00E1-0092-49E5-9506-4C1E082FAF97}"/>
               </a:ext>
             </a:extLst>
           </p:cNvPr>
@@ -4662,7 +4662,214 @@
         </p:nvSpPr>
         <p:spPr>
           <a:xfrm>
-            <a:off x="1510748" y="5795431"/>
+            <a:off x="6096000" y="130126"/>
+            <a:ext cx="3291840" cy="6597747"/>
+          </a:xfrm>
+          <a:prstGeom prst="rect">
+            <a:avLst/>
+          </a:prstGeom>
+          <a:solidFill>
+            <a:srgbClr val="FEF2EA"/>
+          </a:solidFill>
+        </p:spPr>
+        <p:style>
+          <a:lnRef idx="2">
+            <a:schemeClr val="dk1"/>
+          </a:lnRef>
+          <a:fillRef idx="1">
+            <a:schemeClr val="lt1"/>
+          </a:fillRef>
+          <a:effectRef idx="0">
+            <a:schemeClr val="dk1"/>
+          </a:effectRef>
+          <a:fontRef idx="minor">
+            <a:schemeClr val="dk1"/>
+          </a:fontRef>
+        </p:style>
+        <p:txBody>
+          <a:bodyPr rtlCol="0" anchor="ctr"/>
+          <a:lstStyle/>
+          <a:p>
+            <a:pPr algn="ctr"/>
+            <a:endParaRPr lang="en-PH" dirty="0"/>
+          </a:p>
+          <a:p>
+            <a:pPr algn="ctr"/>
+            <a:endParaRPr lang="en-PH" sz="3200" dirty="0">
+              <a:solidFill>
+                <a:srgbClr val="F7ABB1"/>
+              </a:solidFill>
+            </a:endParaRPr>
+          </a:p>
+        </p:txBody>
+      </p:sp>
+      <p:pic>
+        <p:nvPicPr>
+          <p:cNvPr id="15" name="Picture 14">
+            <a:extLst>
+              <a:ext uri="{FF2B5EF4-FFF2-40B4-BE49-F238E27FC236}">
+                <a16:creationId xmlns:a16="http://schemas.microsoft.com/office/drawing/2014/main" id="{C2934849-0DEA-44AD-90B6-29C9B6564D52}"/>
+              </a:ext>
+            </a:extLst>
+          </p:cNvPr>
+          <p:cNvPicPr>
+            <a:picLocks noChangeAspect="1"/>
+          </p:cNvPicPr>
+          <p:nvPr/>
+        </p:nvPicPr>
+        <p:blipFill>
+          <a:blip r:embed="rId2">
+            <a:extLst>
+              <a:ext uri="{28A0092B-C50C-407E-A947-70E740481C1C}">
+                <a14:useLocalDpi xmlns:a14="http://schemas.microsoft.com/office/drawing/2010/main" val="0"/>
+              </a:ext>
+            </a:extLst>
+          </a:blip>
+          <a:stretch>
+            <a:fillRect/>
+          </a:stretch>
+        </p:blipFill>
+        <p:spPr>
+          <a:xfrm>
+            <a:off x="1510748" y="240933"/>
+            <a:ext cx="1098805" cy="1098805"/>
+          </a:xfrm>
+          <a:prstGeom prst="rect">
+            <a:avLst/>
+          </a:prstGeom>
+          <a:ln>
+            <a:solidFill>
+              <a:schemeClr val="tx1"/>
+            </a:solidFill>
+          </a:ln>
+        </p:spPr>
+      </p:pic>
+      <p:pic>
+        <p:nvPicPr>
+          <p:cNvPr id="16" name="Picture 15">
+            <a:extLst>
+              <a:ext uri="{FF2B5EF4-FFF2-40B4-BE49-F238E27FC236}">
+                <a16:creationId xmlns:a16="http://schemas.microsoft.com/office/drawing/2014/main" id="{71C70453-20D6-4286-9680-03EB7DDDC6D0}"/>
+              </a:ext>
+            </a:extLst>
+          </p:cNvPr>
+          <p:cNvPicPr>
+            <a:picLocks noChangeAspect="1"/>
+          </p:cNvPicPr>
+          <p:nvPr/>
+        </p:nvPicPr>
+        <p:blipFill>
+          <a:blip r:embed="rId2">
+            <a:extLst>
+              <a:ext uri="{28A0092B-C50C-407E-A947-70E740481C1C}">
+                <a14:useLocalDpi xmlns:a14="http://schemas.microsoft.com/office/drawing/2010/main" val="0"/>
+              </a:ext>
+            </a:extLst>
+          </a:blip>
+          <a:stretch>
+            <a:fillRect/>
+          </a:stretch>
+        </p:blipFill>
+        <p:spPr>
+          <a:xfrm>
+            <a:off x="6223430" y="307193"/>
+            <a:ext cx="1124040" cy="1124040"/>
+          </a:xfrm>
+          <a:prstGeom prst="rect">
+            <a:avLst/>
+          </a:prstGeom>
+          <a:ln>
+            <a:solidFill>
+              <a:schemeClr val="tx1"/>
+            </a:solidFill>
+          </a:ln>
+        </p:spPr>
+      </p:pic>
+      <p:pic>
+        <p:nvPicPr>
+          <p:cNvPr id="6" name="Picture 5">
+            <a:extLst>
+              <a:ext uri="{FF2B5EF4-FFF2-40B4-BE49-F238E27FC236}">
+                <a16:creationId xmlns:a16="http://schemas.microsoft.com/office/drawing/2014/main" id="{A7106CEF-6064-432B-915C-5FCF201A4883}"/>
+              </a:ext>
+            </a:extLst>
+          </p:cNvPr>
+          <p:cNvPicPr>
+            <a:picLocks noChangeAspect="1"/>
+          </p:cNvPicPr>
+          <p:nvPr/>
+        </p:nvPicPr>
+        <p:blipFill rotWithShape="1">
+          <a:blip r:embed="rId3">
+            <a:extLst>
+              <a:ext uri="{28A0092B-C50C-407E-A947-70E740481C1C}">
+                <a14:useLocalDpi xmlns:a14="http://schemas.microsoft.com/office/drawing/2010/main" val="0"/>
+              </a:ext>
+            </a:extLst>
+          </a:blip>
+          <a:srcRect l="22908" t="19587" r="27725" b="22420"/>
+          <a:stretch/>
+        </p:blipFill>
+        <p:spPr>
+          <a:xfrm>
+            <a:off x="1781092" y="2163559"/>
+            <a:ext cx="2343647" cy="2753139"/>
+          </a:xfrm>
+          <a:prstGeom prst="rect">
+            <a:avLst/>
+          </a:prstGeom>
+        </p:spPr>
+      </p:pic>
+      <p:pic>
+        <p:nvPicPr>
+          <p:cNvPr id="21" name="Picture 20">
+            <a:extLst>
+              <a:ext uri="{FF2B5EF4-FFF2-40B4-BE49-F238E27FC236}">
+                <a16:creationId xmlns:a16="http://schemas.microsoft.com/office/drawing/2014/main" id="{F249925F-5B13-4488-8B98-34F440296D2C}"/>
+              </a:ext>
+            </a:extLst>
+          </p:cNvPr>
+          <p:cNvPicPr>
+            <a:picLocks noChangeAspect="1"/>
+          </p:cNvPicPr>
+          <p:nvPr/>
+        </p:nvPicPr>
+        <p:blipFill rotWithShape="1">
+          <a:blip r:embed="rId3">
+            <a:extLst>
+              <a:ext uri="{28A0092B-C50C-407E-A947-70E740481C1C}">
+                <a14:useLocalDpi xmlns:a14="http://schemas.microsoft.com/office/drawing/2010/main" val="0"/>
+              </a:ext>
+            </a:extLst>
+          </a:blip>
+          <a:srcRect l="22908" t="19587" r="27725" b="22420"/>
+          <a:stretch/>
+        </p:blipFill>
+        <p:spPr>
+          <a:xfrm>
+            <a:off x="6783747" y="1838881"/>
+            <a:ext cx="2343647" cy="2753139"/>
+          </a:xfrm>
+          <a:prstGeom prst="rect">
+            <a:avLst/>
+          </a:prstGeom>
+        </p:spPr>
+      </p:pic>
+      <p:sp>
+        <p:nvSpPr>
+          <p:cNvPr id="23" name="Oval 22">
+            <a:extLst>
+              <a:ext uri="{FF2B5EF4-FFF2-40B4-BE49-F238E27FC236}">
+                <a16:creationId xmlns:a16="http://schemas.microsoft.com/office/drawing/2014/main" id="{A6F05752-B068-4BF6-9980-FCBE0A0A0B17}"/>
+              </a:ext>
+            </a:extLst>
+          </p:cNvPr>
+          <p:cNvSpPr/>
+          <p:nvPr/>
+        </p:nvSpPr>
+        <p:spPr>
+          <a:xfrm>
+            <a:off x="6221727" y="5942568"/>
             <a:ext cx="728869" cy="569844"/>
           </a:xfrm>
           <a:prstGeom prst="ellipse">
@@ -4698,183 +4905,12 @@
           </a:p>
         </p:txBody>
       </p:sp>
-      <p:sp>
-        <p:nvSpPr>
-          <p:cNvPr id="10" name="Rectangle 9">
-            <a:extLst>
-              <a:ext uri="{FF2B5EF4-FFF2-40B4-BE49-F238E27FC236}">
-                <a16:creationId xmlns:a16="http://schemas.microsoft.com/office/drawing/2014/main" id="{5DAA00E1-0092-49E5-9506-4C1E082FAF97}"/>
-              </a:ext>
-            </a:extLst>
-          </p:cNvPr>
-          <p:cNvSpPr/>
-          <p:nvPr/>
-        </p:nvSpPr>
-        <p:spPr>
-          <a:xfrm>
-            <a:off x="6096000" y="130126"/>
-            <a:ext cx="3291840" cy="6597747"/>
-          </a:xfrm>
-          <a:prstGeom prst="rect">
-            <a:avLst/>
-          </a:prstGeom>
-          <a:solidFill>
-            <a:srgbClr val="FEF2EA"/>
-          </a:solidFill>
-        </p:spPr>
-        <p:style>
-          <a:lnRef idx="2">
-            <a:schemeClr val="dk1"/>
-          </a:lnRef>
-          <a:fillRef idx="1">
-            <a:schemeClr val="lt1"/>
-          </a:fillRef>
-          <a:effectRef idx="0">
-            <a:schemeClr val="dk1"/>
-          </a:effectRef>
-          <a:fontRef idx="minor">
-            <a:schemeClr val="dk1"/>
-          </a:fontRef>
-        </p:style>
-        <p:txBody>
-          <a:bodyPr rtlCol="0" anchor="ctr"/>
-          <a:lstStyle/>
-          <a:p>
-            <a:pPr algn="ctr"/>
-            <a:endParaRPr lang="en-PH" dirty="0"/>
-          </a:p>
-          <a:p>
-            <a:pPr algn="ctr"/>
-            <a:endParaRPr lang="en-PH" sz="3200" dirty="0">
-              <a:solidFill>
-                <a:srgbClr val="F7ABB1"/>
-              </a:solidFill>
-            </a:endParaRPr>
-          </a:p>
-        </p:txBody>
-      </p:sp>
       <p:pic>
         <p:nvPicPr>
-          <p:cNvPr id="15" name="Picture 14">
-            <a:extLst>
-              <a:ext uri="{FF2B5EF4-FFF2-40B4-BE49-F238E27FC236}">
-                <a16:creationId xmlns:a16="http://schemas.microsoft.com/office/drawing/2014/main" id="{C2934849-0DEA-44AD-90B6-29C9B6564D52}"/>
-              </a:ext>
-            </a:extLst>
-          </p:cNvPr>
-          <p:cNvPicPr>
-            <a:picLocks noChangeAspect="1"/>
-          </p:cNvPicPr>
-          <p:nvPr/>
-        </p:nvPicPr>
-        <p:blipFill>
-          <a:blip r:embed="rId2">
-            <a:extLst>
-              <a:ext uri="{28A0092B-C50C-407E-A947-70E740481C1C}">
-                <a14:useLocalDpi xmlns:a14="http://schemas.microsoft.com/office/drawing/2010/main" val="0"/>
-              </a:ext>
-            </a:extLst>
-          </a:blip>
-          <a:stretch>
-            <a:fillRect/>
-          </a:stretch>
-        </p:blipFill>
-        <p:spPr>
-          <a:xfrm>
-            <a:off x="1510748" y="332428"/>
-            <a:ext cx="1098805" cy="1098805"/>
-          </a:xfrm>
-          <a:prstGeom prst="rect">
-            <a:avLst/>
-          </a:prstGeom>
-          <a:ln>
-            <a:solidFill>
-              <a:schemeClr val="tx1"/>
-            </a:solidFill>
-          </a:ln>
-        </p:spPr>
-      </p:pic>
-      <p:pic>
-        <p:nvPicPr>
-          <p:cNvPr id="16" name="Picture 15">
-            <a:extLst>
-              <a:ext uri="{FF2B5EF4-FFF2-40B4-BE49-F238E27FC236}">
-                <a16:creationId xmlns:a16="http://schemas.microsoft.com/office/drawing/2014/main" id="{71C70453-20D6-4286-9680-03EB7DDDC6D0}"/>
-              </a:ext>
-            </a:extLst>
-          </p:cNvPr>
-          <p:cNvPicPr>
-            <a:picLocks noChangeAspect="1"/>
-          </p:cNvPicPr>
-          <p:nvPr/>
-        </p:nvPicPr>
-        <p:blipFill>
-          <a:blip r:embed="rId2">
-            <a:extLst>
-              <a:ext uri="{28A0092B-C50C-407E-A947-70E740481C1C}">
-                <a14:useLocalDpi xmlns:a14="http://schemas.microsoft.com/office/drawing/2010/main" val="0"/>
-              </a:ext>
-            </a:extLst>
-          </a:blip>
-          <a:stretch>
-            <a:fillRect/>
-          </a:stretch>
-        </p:blipFill>
-        <p:spPr>
-          <a:xfrm>
-            <a:off x="6223430" y="307193"/>
-            <a:ext cx="1124040" cy="1124040"/>
-          </a:xfrm>
-          <a:prstGeom prst="rect">
-            <a:avLst/>
-          </a:prstGeom>
-          <a:ln>
-            <a:solidFill>
-              <a:schemeClr val="tx1"/>
-            </a:solidFill>
-          </a:ln>
-        </p:spPr>
-      </p:pic>
-      <p:pic>
-        <p:nvPicPr>
-          <p:cNvPr id="17" name="Content Placeholder 6">
-            <a:extLst>
-              <a:ext uri="{FF2B5EF4-FFF2-40B4-BE49-F238E27FC236}">
-                <a16:creationId xmlns:a16="http://schemas.microsoft.com/office/drawing/2014/main" id="{19A560C1-B78C-4AA4-8200-B499879283DC}"/>
-              </a:ext>
-            </a:extLst>
-          </p:cNvPr>
-          <p:cNvPicPr>
-            <a:picLocks noGrp="1" noChangeAspect="1"/>
-          </p:cNvPicPr>
-          <p:nvPr>
-            <p:ph idx="1"/>
-          </p:nvPr>
-        </p:nvPicPr>
-        <p:blipFill rotWithShape="1">
-          <a:blip r:embed="rId3">
-            <a:extLst>
-              <a:ext uri="{28A0092B-C50C-407E-A947-70E740481C1C}">
-                <a14:useLocalDpi xmlns:a14="http://schemas.microsoft.com/office/drawing/2010/main" val="0"/>
-              </a:ext>
-            </a:extLst>
-          </a:blip>
-          <a:srcRect l="13862" t="9157" r="13862" b="16825"/>
-          <a:stretch/>
-        </p:blipFill>
-        <p:spPr>
-          <a:xfrm>
-            <a:off x="1510748" y="5699686"/>
-            <a:ext cx="767337" cy="785823"/>
-          </a:xfrm>
-        </p:spPr>
-      </p:pic>
-      <p:pic>
-        <p:nvPicPr>
-          <p:cNvPr id="18" name="Picture 17">
-            <a:extLst>
-              <a:ext uri="{FF2B5EF4-FFF2-40B4-BE49-F238E27FC236}">
-                <a16:creationId xmlns:a16="http://schemas.microsoft.com/office/drawing/2014/main" id="{B0B95F86-F9C5-4631-999F-8F8A9AF198E7}"/>
+          <p:cNvPr id="24" name="Content Placeholder 6">
+            <a:extLst>
+              <a:ext uri="{FF2B5EF4-FFF2-40B4-BE49-F238E27FC236}">
+                <a16:creationId xmlns:a16="http://schemas.microsoft.com/office/drawing/2014/main" id="{39825137-FABF-414F-A1C0-E096F5660DED}"/>
               </a:ext>
             </a:extLst>
           </p:cNvPr>
@@ -4891,13 +4927,13 @@
               </a:ext>
             </a:extLst>
           </a:blip>
-          <a:srcRect l="19375" t="11819" r="28750" b="-606"/>
+          <a:srcRect l="13862" t="9157" r="13862" b="16825"/>
           <a:stretch/>
         </p:blipFill>
         <p:spPr>
           <a:xfrm>
-            <a:off x="2278085" y="5749414"/>
-            <a:ext cx="764567" cy="736095"/>
+            <a:off x="6221727" y="5846823"/>
+            <a:ext cx="767337" cy="785823"/>
           </a:xfrm>
           <a:prstGeom prst="rect">
             <a:avLst/>
@@ -4906,10 +4942,10 @@
       </p:pic>
       <p:pic>
         <p:nvPicPr>
-          <p:cNvPr id="19" name="Picture 18">
-            <a:extLst>
-              <a:ext uri="{FF2B5EF4-FFF2-40B4-BE49-F238E27FC236}">
-                <a16:creationId xmlns:a16="http://schemas.microsoft.com/office/drawing/2014/main" id="{1E75CB4F-1F29-4C76-A8AB-7AC29EE19F95}"/>
+          <p:cNvPr id="25" name="Picture 24">
+            <a:extLst>
+              <a:ext uri="{FF2B5EF4-FFF2-40B4-BE49-F238E27FC236}">
+                <a16:creationId xmlns:a16="http://schemas.microsoft.com/office/drawing/2014/main" id="{336B0C73-C879-422F-AA96-88F926801D69}"/>
               </a:ext>
             </a:extLst>
           </p:cNvPr>
@@ -4926,12 +4962,47 @@
               </a:ext>
             </a:extLst>
           </a:blip>
+          <a:srcRect l="19375" t="11819" r="28750" b="-606"/>
+          <a:stretch/>
+        </p:blipFill>
+        <p:spPr>
+          <a:xfrm>
+            <a:off x="6989064" y="5896551"/>
+            <a:ext cx="764567" cy="736095"/>
+          </a:xfrm>
+          <a:prstGeom prst="rect">
+            <a:avLst/>
+          </a:prstGeom>
+        </p:spPr>
+      </p:pic>
+      <p:pic>
+        <p:nvPicPr>
+          <p:cNvPr id="26" name="Picture 25">
+            <a:extLst>
+              <a:ext uri="{FF2B5EF4-FFF2-40B4-BE49-F238E27FC236}">
+                <a16:creationId xmlns:a16="http://schemas.microsoft.com/office/drawing/2014/main" id="{2CF969ED-8A3A-4034-8921-2B425A94E26A}"/>
+              </a:ext>
+            </a:extLst>
+          </p:cNvPr>
+          <p:cNvPicPr>
+            <a:picLocks noChangeAspect="1"/>
+          </p:cNvPicPr>
+          <p:nvPr/>
+        </p:nvPicPr>
+        <p:blipFill rotWithShape="1">
+          <a:blip r:embed="rId6">
+            <a:extLst>
+              <a:ext uri="{28A0092B-C50C-407E-A947-70E740481C1C}">
+                <a14:useLocalDpi xmlns:a14="http://schemas.microsoft.com/office/drawing/2010/main" val="0"/>
+              </a:ext>
+            </a:extLst>
+          </a:blip>
           <a:srcRect l="14268" t="19337" r="18798" b="16476"/>
           <a:stretch/>
         </p:blipFill>
         <p:spPr>
           <a:xfrm>
-            <a:off x="3871577" y="5795431"/>
+            <a:off x="8582556" y="5942568"/>
             <a:ext cx="719602" cy="690079"/>
           </a:xfrm>
           <a:prstGeom prst="rect">
@@ -4941,10 +5012,10 @@
       </p:pic>
       <p:pic>
         <p:nvPicPr>
-          <p:cNvPr id="20" name="Picture 19">
-            <a:extLst>
-              <a:ext uri="{FF2B5EF4-FFF2-40B4-BE49-F238E27FC236}">
-                <a16:creationId xmlns:a16="http://schemas.microsoft.com/office/drawing/2014/main" id="{4AA1236B-24B7-4616-A6EA-56DF3CCA1BEC}"/>
+          <p:cNvPr id="27" name="Picture 26">
+            <a:extLst>
+              <a:ext uri="{FF2B5EF4-FFF2-40B4-BE49-F238E27FC236}">
+                <a16:creationId xmlns:a16="http://schemas.microsoft.com/office/drawing/2014/main" id="{43EB49BF-E8CD-4988-A0D6-B3DFAC61B9EA}"/>
               </a:ext>
             </a:extLst>
           </p:cNvPr>
@@ -4954,7 +5025,7 @@
           <p:nvPr/>
         </p:nvPicPr>
         <p:blipFill>
-          <a:blip r:embed="rId6">
+          <a:blip r:embed="rId7">
             <a:extLst>
               <a:ext uri="{28A0092B-C50C-407E-A947-70E740481C1C}">
                 <a14:useLocalDpi xmlns:a14="http://schemas.microsoft.com/office/drawing/2010/main" val="0"/>
@@ -4967,7 +5038,7 @@
         </p:blipFill>
         <p:spPr>
           <a:xfrm>
-            <a:off x="3074831" y="5795431"/>
+            <a:off x="7785810" y="5942568"/>
             <a:ext cx="764567" cy="716413"/>
           </a:xfrm>
           <a:prstGeom prst="rect">
@@ -4977,10 +5048,10 @@
       </p:pic>
       <p:pic>
         <p:nvPicPr>
-          <p:cNvPr id="6" name="Picture 5">
-            <a:extLst>
-              <a:ext uri="{FF2B5EF4-FFF2-40B4-BE49-F238E27FC236}">
-                <a16:creationId xmlns:a16="http://schemas.microsoft.com/office/drawing/2014/main" id="{A7106CEF-6064-432B-915C-5FCF201A4883}"/>
+          <p:cNvPr id="1024" name="Picture 1023">
+            <a:extLst>
+              <a:ext uri="{FF2B5EF4-FFF2-40B4-BE49-F238E27FC236}">
+                <a16:creationId xmlns:a16="http://schemas.microsoft.com/office/drawing/2014/main" id="{737DCB9B-C135-4456-A1D3-D93D244FACB2}"/>
               </a:ext>
             </a:extLst>
           </p:cNvPr>
@@ -4990,20 +5061,20 @@
           <p:nvPr/>
         </p:nvPicPr>
         <p:blipFill rotWithShape="1">
-          <a:blip r:embed="rId7">
+          <a:blip r:embed="rId8">
             <a:extLst>
               <a:ext uri="{28A0092B-C50C-407E-A947-70E740481C1C}">
                 <a14:useLocalDpi xmlns:a14="http://schemas.microsoft.com/office/drawing/2010/main" val="0"/>
               </a:ext>
             </a:extLst>
           </a:blip>
-          <a:srcRect l="22908" t="19587" r="27725" b="22420"/>
+          <a:srcRect l="28750" t="16774" r="27500" b="10890"/>
           <a:stretch/>
         </p:blipFill>
         <p:spPr>
           <a:xfrm>
-            <a:off x="1781092" y="2163559"/>
-            <a:ext cx="2343647" cy="2753139"/>
+            <a:off x="4028775" y="206071"/>
+            <a:ext cx="562404" cy="522799"/>
           </a:xfrm>
           <a:prstGeom prst="rect">
             <a:avLst/>
@@ -5012,10 +5083,10 @@
       </p:pic>
       <p:pic>
         <p:nvPicPr>
-          <p:cNvPr id="21" name="Picture 20">
-            <a:extLst>
-              <a:ext uri="{FF2B5EF4-FFF2-40B4-BE49-F238E27FC236}">
-                <a16:creationId xmlns:a16="http://schemas.microsoft.com/office/drawing/2014/main" id="{F249925F-5B13-4488-8B98-34F440296D2C}"/>
+          <p:cNvPr id="34" name="Picture 33">
+            <a:extLst>
+              <a:ext uri="{FF2B5EF4-FFF2-40B4-BE49-F238E27FC236}">
+                <a16:creationId xmlns:a16="http://schemas.microsoft.com/office/drawing/2014/main" id="{4EE50548-5EC9-49D4-B2E9-C00965475A1B}"/>
               </a:ext>
             </a:extLst>
           </p:cNvPr>
@@ -5025,20 +5096,20 @@
           <p:nvPr/>
         </p:nvPicPr>
         <p:blipFill rotWithShape="1">
-          <a:blip r:embed="rId7">
+          <a:blip r:embed="rId8">
             <a:extLst>
               <a:ext uri="{28A0092B-C50C-407E-A947-70E740481C1C}">
                 <a14:useLocalDpi xmlns:a14="http://schemas.microsoft.com/office/drawing/2010/main" val="0"/>
               </a:ext>
             </a:extLst>
           </a:blip>
-          <a:srcRect l="22908" t="19587" r="27725" b="22420"/>
+          <a:srcRect l="28750" t="16774" r="27500" b="10890"/>
           <a:stretch/>
         </p:blipFill>
         <p:spPr>
           <a:xfrm>
-            <a:off x="6783747" y="1838881"/>
-            <a:ext cx="2343647" cy="2753139"/>
+            <a:off x="8708568" y="219205"/>
+            <a:ext cx="548275" cy="509665"/>
           </a:xfrm>
           <a:prstGeom prst="rect">
             <a:avLst/>
@@ -5047,10 +5118,10 @@
       </p:pic>
       <p:sp>
         <p:nvSpPr>
-          <p:cNvPr id="23" name="Oval 22">
-            <a:extLst>
-              <a:ext uri="{FF2B5EF4-FFF2-40B4-BE49-F238E27FC236}">
-                <a16:creationId xmlns:a16="http://schemas.microsoft.com/office/drawing/2014/main" id="{A6F05752-B068-4BF6-9980-FCBE0A0A0B17}"/>
+          <p:cNvPr id="2" name="Oval 1">
+            <a:extLst>
+              <a:ext uri="{FF2B5EF4-FFF2-40B4-BE49-F238E27FC236}">
+                <a16:creationId xmlns:a16="http://schemas.microsoft.com/office/drawing/2014/main" id="{8E228E40-E1F9-402D-A02C-9FB2E77AE31C}"/>
               </a:ext>
             </a:extLst>
           </p:cNvPr>
@@ -5059,8 +5130,8 @@
         </p:nvSpPr>
         <p:spPr>
           <a:xfrm>
-            <a:off x="6221727" y="5942568"/>
-            <a:ext cx="728869" cy="569844"/>
+            <a:off x="2102094" y="2683093"/>
+            <a:ext cx="940170" cy="748732"/>
           </a:xfrm>
           <a:prstGeom prst="ellipse">
             <a:avLst/>
@@ -5097,20 +5168,22 @@
       </p:sp>
       <p:pic>
         <p:nvPicPr>
-          <p:cNvPr id="24" name="Content Placeholder 6">
-            <a:extLst>
-              <a:ext uri="{FF2B5EF4-FFF2-40B4-BE49-F238E27FC236}">
-                <a16:creationId xmlns:a16="http://schemas.microsoft.com/office/drawing/2014/main" id="{39825137-FABF-414F-A1C0-E096F5660DED}"/>
+          <p:cNvPr id="17" name="Content Placeholder 6">
+            <a:extLst>
+              <a:ext uri="{FF2B5EF4-FFF2-40B4-BE49-F238E27FC236}">
+                <a16:creationId xmlns:a16="http://schemas.microsoft.com/office/drawing/2014/main" id="{19A560C1-B78C-4AA4-8200-B499879283DC}"/>
               </a:ext>
             </a:extLst>
           </p:cNvPr>
           <p:cNvPicPr>
-            <a:picLocks noChangeAspect="1"/>
+            <a:picLocks noGrp="1" noChangeAspect="1"/>
           </p:cNvPicPr>
-          <p:nvPr/>
+          <p:nvPr>
+            <p:ph idx="1"/>
+          </p:nvPr>
         </p:nvPicPr>
         <p:blipFill rotWithShape="1">
-          <a:blip r:embed="rId3">
+          <a:blip r:embed="rId4">
             <a:extLst>
               <a:ext uri="{28A0092B-C50C-407E-A947-70E740481C1C}">
                 <a14:useLocalDpi xmlns:a14="http://schemas.microsoft.com/office/drawing/2010/main" val="0"/>
@@ -5122,55 +5195,17 @@
         </p:blipFill>
         <p:spPr>
           <a:xfrm>
-            <a:off x="6221727" y="5846823"/>
-            <a:ext cx="767337" cy="785823"/>
-          </a:xfrm>
-          <a:prstGeom prst="rect">
-            <a:avLst/>
-          </a:prstGeom>
+            <a:off x="1709327" y="2148975"/>
+            <a:ext cx="1174355" cy="1202646"/>
+          </a:xfrm>
         </p:spPr>
       </p:pic>
       <p:pic>
         <p:nvPicPr>
-          <p:cNvPr id="25" name="Picture 24">
-            <a:extLst>
-              <a:ext uri="{FF2B5EF4-FFF2-40B4-BE49-F238E27FC236}">
-                <a16:creationId xmlns:a16="http://schemas.microsoft.com/office/drawing/2014/main" id="{336B0C73-C879-422F-AA96-88F926801D69}"/>
-              </a:ext>
-            </a:extLst>
-          </p:cNvPr>
-          <p:cNvPicPr>
-            <a:picLocks noChangeAspect="1"/>
-          </p:cNvPicPr>
-          <p:nvPr/>
-        </p:nvPicPr>
-        <p:blipFill rotWithShape="1">
-          <a:blip r:embed="rId4">
-            <a:extLst>
-              <a:ext uri="{28A0092B-C50C-407E-A947-70E740481C1C}">
-                <a14:useLocalDpi xmlns:a14="http://schemas.microsoft.com/office/drawing/2010/main" val="0"/>
-              </a:ext>
-            </a:extLst>
-          </a:blip>
-          <a:srcRect l="19375" t="11819" r="28750" b="-606"/>
-          <a:stretch/>
-        </p:blipFill>
-        <p:spPr>
-          <a:xfrm>
-            <a:off x="6989064" y="5896551"/>
-            <a:ext cx="764567" cy="736095"/>
-          </a:xfrm>
-          <a:prstGeom prst="rect">
-            <a:avLst/>
-          </a:prstGeom>
-        </p:spPr>
-      </p:pic>
-      <p:pic>
-        <p:nvPicPr>
-          <p:cNvPr id="26" name="Picture 25">
-            <a:extLst>
-              <a:ext uri="{FF2B5EF4-FFF2-40B4-BE49-F238E27FC236}">
-                <a16:creationId xmlns:a16="http://schemas.microsoft.com/office/drawing/2014/main" id="{2CF969ED-8A3A-4034-8921-2B425A94E26A}"/>
+          <p:cNvPr id="18" name="Picture 17">
+            <a:extLst>
+              <a:ext uri="{FF2B5EF4-FFF2-40B4-BE49-F238E27FC236}">
+                <a16:creationId xmlns:a16="http://schemas.microsoft.com/office/drawing/2014/main" id="{B0B95F86-F9C5-4631-999F-8F8A9AF198E7}"/>
               </a:ext>
             </a:extLst>
           </p:cNvPr>
@@ -5187,13 +5222,48 @@
               </a:ext>
             </a:extLst>
           </a:blip>
+          <a:srcRect l="19375" t="11819" r="28750" b="-606"/>
+          <a:stretch/>
+        </p:blipFill>
+        <p:spPr>
+          <a:xfrm>
+            <a:off x="3293980" y="2171686"/>
+            <a:ext cx="1170116" cy="1126541"/>
+          </a:xfrm>
+          <a:prstGeom prst="rect">
+            <a:avLst/>
+          </a:prstGeom>
+        </p:spPr>
+      </p:pic>
+      <p:pic>
+        <p:nvPicPr>
+          <p:cNvPr id="19" name="Picture 18">
+            <a:extLst>
+              <a:ext uri="{FF2B5EF4-FFF2-40B4-BE49-F238E27FC236}">
+                <a16:creationId xmlns:a16="http://schemas.microsoft.com/office/drawing/2014/main" id="{1E75CB4F-1F29-4C76-A8AB-7AC29EE19F95}"/>
+              </a:ext>
+            </a:extLst>
+          </p:cNvPr>
+          <p:cNvPicPr>
+            <a:picLocks noChangeAspect="1"/>
+          </p:cNvPicPr>
+          <p:nvPr/>
+        </p:nvPicPr>
+        <p:blipFill rotWithShape="1">
+          <a:blip r:embed="rId6">
+            <a:extLst>
+              <a:ext uri="{28A0092B-C50C-407E-A947-70E740481C1C}">
+                <a14:useLocalDpi xmlns:a14="http://schemas.microsoft.com/office/drawing/2010/main" val="0"/>
+              </a:ext>
+            </a:extLst>
+          </a:blip>
           <a:srcRect l="14268" t="19337" r="18798" b="16476"/>
           <a:stretch/>
         </p:blipFill>
         <p:spPr>
           <a:xfrm>
-            <a:off x="8582556" y="5942568"/>
-            <a:ext cx="719602" cy="690079"/>
+            <a:off x="3300622" y="4369527"/>
+            <a:ext cx="1174737" cy="1126541"/>
           </a:xfrm>
           <a:prstGeom prst="rect">
             <a:avLst/>
@@ -5202,10 +5272,10 @@
       </p:pic>
       <p:pic>
         <p:nvPicPr>
-          <p:cNvPr id="27" name="Picture 26">
-            <a:extLst>
-              <a:ext uri="{FF2B5EF4-FFF2-40B4-BE49-F238E27FC236}">
-                <a16:creationId xmlns:a16="http://schemas.microsoft.com/office/drawing/2014/main" id="{43EB49BF-E8CD-4988-A0D6-B3DFAC61B9EA}"/>
+          <p:cNvPr id="20" name="Picture 19">
+            <a:extLst>
+              <a:ext uri="{FF2B5EF4-FFF2-40B4-BE49-F238E27FC236}">
+                <a16:creationId xmlns:a16="http://schemas.microsoft.com/office/drawing/2014/main" id="{4AA1236B-24B7-4616-A6EA-56DF3CCA1BEC}"/>
               </a:ext>
             </a:extLst>
           </p:cNvPr>
@@ -5215,7 +5285,7 @@
           <p:nvPr/>
         </p:nvPicPr>
         <p:blipFill>
-          <a:blip r:embed="rId6">
+          <a:blip r:embed="rId7">
             <a:extLst>
               <a:ext uri="{28A0092B-C50C-407E-A947-70E740481C1C}">
                 <a14:useLocalDpi xmlns:a14="http://schemas.microsoft.com/office/drawing/2010/main" val="0"/>
@@ -5228,78 +5298,8 @@
         </p:blipFill>
         <p:spPr>
           <a:xfrm>
-            <a:off x="7785810" y="5942568"/>
-            <a:ext cx="764567" cy="716413"/>
-          </a:xfrm>
-          <a:prstGeom prst="rect">
-            <a:avLst/>
-          </a:prstGeom>
-        </p:spPr>
-      </p:pic>
-      <p:pic>
-        <p:nvPicPr>
-          <p:cNvPr id="1024" name="Picture 1023">
-            <a:extLst>
-              <a:ext uri="{FF2B5EF4-FFF2-40B4-BE49-F238E27FC236}">
-                <a16:creationId xmlns:a16="http://schemas.microsoft.com/office/drawing/2014/main" id="{737DCB9B-C135-4456-A1D3-D93D244FACB2}"/>
-              </a:ext>
-            </a:extLst>
-          </p:cNvPr>
-          <p:cNvPicPr>
-            <a:picLocks noChangeAspect="1"/>
-          </p:cNvPicPr>
-          <p:nvPr/>
-        </p:nvPicPr>
-        <p:blipFill rotWithShape="1">
-          <a:blip r:embed="rId8">
-            <a:extLst>
-              <a:ext uri="{28A0092B-C50C-407E-A947-70E740481C1C}">
-                <a14:useLocalDpi xmlns:a14="http://schemas.microsoft.com/office/drawing/2010/main" val="0"/>
-              </a:ext>
-            </a:extLst>
-          </a:blip>
-          <a:srcRect l="28750" t="16774" r="27500" b="10890"/>
-          <a:stretch/>
-        </p:blipFill>
-        <p:spPr>
-          <a:xfrm>
-            <a:off x="4028775" y="206071"/>
-            <a:ext cx="562404" cy="522799"/>
-          </a:xfrm>
-          <a:prstGeom prst="rect">
-            <a:avLst/>
-          </a:prstGeom>
-        </p:spPr>
-      </p:pic>
-      <p:pic>
-        <p:nvPicPr>
-          <p:cNvPr id="34" name="Picture 33">
-            <a:extLst>
-              <a:ext uri="{FF2B5EF4-FFF2-40B4-BE49-F238E27FC236}">
-                <a16:creationId xmlns:a16="http://schemas.microsoft.com/office/drawing/2014/main" id="{4EE50548-5EC9-49D4-B2E9-C00965475A1B}"/>
-              </a:ext>
-            </a:extLst>
-          </p:cNvPr>
-          <p:cNvPicPr>
-            <a:picLocks noChangeAspect="1"/>
-          </p:cNvPicPr>
-          <p:nvPr/>
-        </p:nvPicPr>
-        <p:blipFill rotWithShape="1">
-          <a:blip r:embed="rId8">
-            <a:extLst>
-              <a:ext uri="{28A0092B-C50C-407E-A947-70E740481C1C}">
-                <a14:useLocalDpi xmlns:a14="http://schemas.microsoft.com/office/drawing/2010/main" val="0"/>
-              </a:ext>
-            </a:extLst>
-          </a:blip>
-          <a:srcRect l="28750" t="16774" r="27500" b="10890"/>
-          <a:stretch/>
-        </p:blipFill>
-        <p:spPr>
-          <a:xfrm>
-            <a:off x="8708568" y="219205"/>
-            <a:ext cx="548275" cy="509665"/>
+            <a:off x="1756694" y="4293422"/>
+            <a:ext cx="1283482" cy="1202646"/>
           </a:xfrm>
           <a:prstGeom prst="rect">
             <a:avLst/>
@@ -5494,7 +5494,7 @@
         </p:nvSpPr>
         <p:spPr>
           <a:xfrm>
-            <a:off x="2478354" y="6248505"/>
+            <a:off x="2341748" y="6240817"/>
             <a:ext cx="1374979" cy="317364"/>
           </a:xfrm>
           <a:prstGeom prst="rect">
@@ -5974,7 +5974,7 @@
         </p:blipFill>
         <p:spPr>
           <a:xfrm>
-            <a:off x="6247263" y="245828"/>
+            <a:off x="6210295" y="166004"/>
             <a:ext cx="719602" cy="690079"/>
           </a:xfrm>
           <a:prstGeom prst="rect">

--- a/Group1_PROJECT/DOCUMENTATION/DESIGN.pptx
+++ b/Group1_PROJECT/DOCUMENTATION/DESIGN.pptx
@@ -11,8 +11,6 @@
     <p:sldId id="258" r:id="rId5"/>
     <p:sldId id="262" r:id="rId6"/>
     <p:sldId id="263" r:id="rId7"/>
-    <p:sldId id="260" r:id="rId8"/>
-    <p:sldId id="261" r:id="rId9"/>
   </p:sldIdLst>
   <p:sldSz cx="12192000" cy="6858000"/>
   <p:notesSz cx="6858000" cy="9144000"/>
@@ -268,7 +266,7 @@
           <a:p>
             <a:fld id="{F832CBD2-4737-41F6-87A9-97F51954DF9E}" type="datetimeFigureOut">
               <a:rPr lang="en-PH" smtClean="0"/>
-              <a:t>10/03/2021</a:t>
+              <a:t>13/03/2021</a:t>
             </a:fld>
             <a:endParaRPr lang="en-PH"/>
           </a:p>
@@ -468,7 +466,7 @@
           <a:p>
             <a:fld id="{F832CBD2-4737-41F6-87A9-97F51954DF9E}" type="datetimeFigureOut">
               <a:rPr lang="en-PH" smtClean="0"/>
-              <a:t>10/03/2021</a:t>
+              <a:t>13/03/2021</a:t>
             </a:fld>
             <a:endParaRPr lang="en-PH"/>
           </a:p>
@@ -678,7 +676,7 @@
           <a:p>
             <a:fld id="{F832CBD2-4737-41F6-87A9-97F51954DF9E}" type="datetimeFigureOut">
               <a:rPr lang="en-PH" smtClean="0"/>
-              <a:t>10/03/2021</a:t>
+              <a:t>13/03/2021</a:t>
             </a:fld>
             <a:endParaRPr lang="en-PH"/>
           </a:p>
@@ -878,7 +876,7 @@
           <a:p>
             <a:fld id="{F832CBD2-4737-41F6-87A9-97F51954DF9E}" type="datetimeFigureOut">
               <a:rPr lang="en-PH" smtClean="0"/>
-              <a:t>10/03/2021</a:t>
+              <a:t>13/03/2021</a:t>
             </a:fld>
             <a:endParaRPr lang="en-PH"/>
           </a:p>
@@ -1154,7 +1152,7 @@
           <a:p>
             <a:fld id="{F832CBD2-4737-41F6-87A9-97F51954DF9E}" type="datetimeFigureOut">
               <a:rPr lang="en-PH" smtClean="0"/>
-              <a:t>10/03/2021</a:t>
+              <a:t>13/03/2021</a:t>
             </a:fld>
             <a:endParaRPr lang="en-PH"/>
           </a:p>
@@ -1422,7 +1420,7 @@
           <a:p>
             <a:fld id="{F832CBD2-4737-41F6-87A9-97F51954DF9E}" type="datetimeFigureOut">
               <a:rPr lang="en-PH" smtClean="0"/>
-              <a:t>10/03/2021</a:t>
+              <a:t>13/03/2021</a:t>
             </a:fld>
             <a:endParaRPr lang="en-PH"/>
           </a:p>
@@ -1837,7 +1835,7 @@
           <a:p>
             <a:fld id="{F832CBD2-4737-41F6-87A9-97F51954DF9E}" type="datetimeFigureOut">
               <a:rPr lang="en-PH" smtClean="0"/>
-              <a:t>10/03/2021</a:t>
+              <a:t>13/03/2021</a:t>
             </a:fld>
             <a:endParaRPr lang="en-PH"/>
           </a:p>
@@ -1979,7 +1977,7 @@
           <a:p>
             <a:fld id="{F832CBD2-4737-41F6-87A9-97F51954DF9E}" type="datetimeFigureOut">
               <a:rPr lang="en-PH" smtClean="0"/>
-              <a:t>10/03/2021</a:t>
+              <a:t>13/03/2021</a:t>
             </a:fld>
             <a:endParaRPr lang="en-PH"/>
           </a:p>
@@ -2092,7 +2090,7 @@
           <a:p>
             <a:fld id="{F832CBD2-4737-41F6-87A9-97F51954DF9E}" type="datetimeFigureOut">
               <a:rPr lang="en-PH" smtClean="0"/>
-              <a:t>10/03/2021</a:t>
+              <a:t>13/03/2021</a:t>
             </a:fld>
             <a:endParaRPr lang="en-PH"/>
           </a:p>
@@ -2405,7 +2403,7 @@
           <a:p>
             <a:fld id="{F832CBD2-4737-41F6-87A9-97F51954DF9E}" type="datetimeFigureOut">
               <a:rPr lang="en-PH" smtClean="0"/>
-              <a:t>10/03/2021</a:t>
+              <a:t>13/03/2021</a:t>
             </a:fld>
             <a:endParaRPr lang="en-PH"/>
           </a:p>
@@ -2694,7 +2692,7 @@
           <a:p>
             <a:fld id="{F832CBD2-4737-41F6-87A9-97F51954DF9E}" type="datetimeFigureOut">
               <a:rPr lang="en-PH" smtClean="0"/>
-              <a:t>10/03/2021</a:t>
+              <a:t>13/03/2021</a:t>
             </a:fld>
             <a:endParaRPr lang="en-PH"/>
           </a:p>
@@ -2937,7 +2935,7 @@
           <a:p>
             <a:fld id="{F832CBD2-4737-41F6-87A9-97F51954DF9E}" type="datetimeFigureOut">
               <a:rPr lang="en-PH" smtClean="0"/>
-              <a:t>10/03/2021</a:t>
+              <a:t>13/03/2021</a:t>
             </a:fld>
             <a:endParaRPr lang="en-PH"/>
           </a:p>
@@ -3340,6 +3338,14 @@
 <file path=ppt/slides/slide1.xml><?xml version="1.0" encoding="utf-8"?>
 <p:sld xmlns:a="http://schemas.openxmlformats.org/drawingml/2006/main" xmlns:r="http://schemas.openxmlformats.org/officeDocument/2006/relationships" xmlns:p="http://schemas.openxmlformats.org/presentationml/2006/main">
   <p:cSld>
+    <p:bg>
+      <p:bgPr>
+        <a:solidFill>
+          <a:schemeClr val="bg1"/>
+        </a:solidFill>
+        <a:effectLst/>
+      </p:bgPr>
+    </p:bg>
     <p:spTree>
       <p:nvGrpSpPr>
         <p:cNvPr id="1" name=""/>
@@ -3354,6 +3360,125 @@
           <a:chExt cx="0" cy="0"/>
         </a:xfrm>
       </p:grpSpPr>
+      <p:sp>
+        <p:nvSpPr>
+          <p:cNvPr id="9" name="Down Arrow 7">
+            <a:extLst>
+              <a:ext uri="{FF2B5EF4-FFF2-40B4-BE49-F238E27FC236}">
+                <a16:creationId xmlns:a16="http://schemas.microsoft.com/office/drawing/2014/main" id="{D4771268-CB57-404A-9271-370EB28F6090}"/>
+              </a:ext>
+              <a:ext uri="{C183D7F6-B498-43B3-948B-1728B52AA6E4}">
+                <adec:decorative xmlns:adec="http://schemas.microsoft.com/office/drawing/2017/decorative" val="1"/>
+              </a:ext>
+            </a:extLst>
+          </p:cNvPr>
+          <p:cNvSpPr>
+            <a:spLocks noGrp="1" noRot="1" noChangeAspect="1" noMove="1" noResize="1" noEditPoints="1" noAdjustHandles="1" noChangeArrowheads="1" noChangeShapeType="1" noTextEdit="1"/>
+          </p:cNvSpPr>
+          <p:nvPr>
+            <p:extLst>
+              <p:ext uri="{386F3935-93C4-4BCD-93E2-E3B085C9AB24}">
+                <p16:designElem xmlns:p16="http://schemas.microsoft.com/office/powerpoint/2015/main" val="1"/>
+              </p:ext>
+            </p:extLst>
+          </p:nvPr>
+        </p:nvSpPr>
+        <p:spPr>
+          <a:xfrm rot="16200000">
+            <a:off x="800100" y="1491343"/>
+            <a:ext cx="3333749" cy="3499103"/>
+          </a:xfrm>
+          <a:prstGeom prst="downArrow">
+            <a:avLst>
+              <a:gd name="adj1" fmla="val 100000"/>
+              <a:gd name="adj2" fmla="val 15788"/>
+            </a:avLst>
+          </a:prstGeom>
+          <a:solidFill>
+            <a:srgbClr val="404040"/>
+          </a:solidFill>
+          <a:ln w="53975">
+            <a:noFill/>
+          </a:ln>
+        </p:spPr>
+        <p:style>
+          <a:lnRef idx="2">
+            <a:schemeClr val="accent1">
+              <a:shade val="50000"/>
+            </a:schemeClr>
+          </a:lnRef>
+          <a:fillRef idx="1">
+            <a:schemeClr val="accent1"/>
+          </a:fillRef>
+          <a:effectRef idx="0">
+            <a:schemeClr val="accent1"/>
+          </a:effectRef>
+          <a:fontRef idx="minor">
+            <a:schemeClr val="lt1"/>
+          </a:fontRef>
+        </p:style>
+        <p:txBody>
+          <a:bodyPr rtlCol="0" anchor="ctr"/>
+          <a:lstStyle/>
+          <a:p>
+            <a:pPr algn="ctr"/>
+            <a:endParaRPr lang="en-US"/>
+          </a:p>
+        </p:txBody>
+      </p:sp>
+      <p:sp>
+        <p:nvSpPr>
+          <p:cNvPr id="2" name="TextBox 1">
+            <a:extLst>
+              <a:ext uri="{FF2B5EF4-FFF2-40B4-BE49-F238E27FC236}">
+                <a16:creationId xmlns:a16="http://schemas.microsoft.com/office/drawing/2014/main" id="{709CF466-7FB0-47FB-B4DF-39D2C94F8E84}"/>
+              </a:ext>
+            </a:extLst>
+          </p:cNvPr>
+          <p:cNvSpPr txBox="1"/>
+          <p:nvPr/>
+        </p:nvSpPr>
+        <p:spPr>
+          <a:xfrm>
+            <a:off x="1028700" y="1967266"/>
+            <a:ext cx="2628900" cy="2547257"/>
+          </a:xfrm>
+          <a:prstGeom prst="rect">
+            <a:avLst/>
+          </a:prstGeom>
+          <a:noFill/>
+        </p:spPr>
+        <p:txBody>
+          <a:bodyPr vert="horz" lIns="91440" tIns="45720" rIns="91440" bIns="45720" rtlCol="0" anchor="ctr">
+            <a:normAutofit/>
+          </a:bodyPr>
+          <a:lstStyle/>
+          <a:p>
+            <a:pPr algn="ctr">
+              <a:lnSpc>
+                <a:spcPct val="90000"/>
+              </a:lnSpc>
+              <a:spcBef>
+                <a:spcPct val="0"/>
+              </a:spcBef>
+              <a:spcAft>
+                <a:spcPts val="600"/>
+              </a:spcAft>
+            </a:pPr>
+            <a:r>
+              <a:rPr lang="en-US" sz="3600" b="1" kern="1200" dirty="0">
+                <a:solidFill>
+                  <a:srgbClr val="FFFFFF"/>
+                </a:solidFill>
+                <a:latin typeface="+mj-lt"/>
+                <a:ea typeface="+mj-ea"/>
+                <a:cs typeface="+mj-cs"/>
+              </a:rPr>
+              <a:t>LOGO</a:t>
+            </a:r>
+          </a:p>
+        </p:txBody>
+      </p:sp>
       <p:pic>
         <p:nvPicPr>
           <p:cNvPr id="4" name="Picture 3">
@@ -3382,8 +3507,8 @@
         </p:blipFill>
         <p:spPr>
           <a:xfrm>
-            <a:off x="3715047" y="1048047"/>
-            <a:ext cx="4761905" cy="4761905"/>
+            <a:off x="5383296" y="643466"/>
+            <a:ext cx="5568739" cy="5568739"/>
           </a:xfrm>
           <a:prstGeom prst="rect">
             <a:avLst/>
@@ -5236,76 +5361,6 @@
           </a:prstGeom>
         </p:spPr>
       </p:pic>
-      <p:pic>
-        <p:nvPicPr>
-          <p:cNvPr id="1024" name="Picture 1023">
-            <a:extLst>
-              <a:ext uri="{FF2B5EF4-FFF2-40B4-BE49-F238E27FC236}">
-                <a16:creationId xmlns:a16="http://schemas.microsoft.com/office/drawing/2014/main" id="{737DCB9B-C135-4456-A1D3-D93D244FACB2}"/>
-              </a:ext>
-            </a:extLst>
-          </p:cNvPr>
-          <p:cNvPicPr>
-            <a:picLocks noChangeAspect="1"/>
-          </p:cNvPicPr>
-          <p:nvPr/>
-        </p:nvPicPr>
-        <p:blipFill rotWithShape="1">
-          <a:blip r:embed="rId8">
-            <a:extLst>
-              <a:ext uri="{28A0092B-C50C-407E-A947-70E740481C1C}">
-                <a14:useLocalDpi xmlns:a14="http://schemas.microsoft.com/office/drawing/2010/main" val="0"/>
-              </a:ext>
-            </a:extLst>
-          </a:blip>
-          <a:srcRect l="28750" t="16774" r="27500" b="10890"/>
-          <a:stretch/>
-        </p:blipFill>
-        <p:spPr>
-          <a:xfrm>
-            <a:off x="4028775" y="206071"/>
-            <a:ext cx="562404" cy="522799"/>
-          </a:xfrm>
-          <a:prstGeom prst="rect">
-            <a:avLst/>
-          </a:prstGeom>
-        </p:spPr>
-      </p:pic>
-      <p:pic>
-        <p:nvPicPr>
-          <p:cNvPr id="34" name="Picture 33">
-            <a:extLst>
-              <a:ext uri="{FF2B5EF4-FFF2-40B4-BE49-F238E27FC236}">
-                <a16:creationId xmlns:a16="http://schemas.microsoft.com/office/drawing/2014/main" id="{4EE50548-5EC9-49D4-B2E9-C00965475A1B}"/>
-              </a:ext>
-            </a:extLst>
-          </p:cNvPr>
-          <p:cNvPicPr>
-            <a:picLocks noChangeAspect="1"/>
-          </p:cNvPicPr>
-          <p:nvPr/>
-        </p:nvPicPr>
-        <p:blipFill rotWithShape="1">
-          <a:blip r:embed="rId8">
-            <a:extLst>
-              <a:ext uri="{28A0092B-C50C-407E-A947-70E740481C1C}">
-                <a14:useLocalDpi xmlns:a14="http://schemas.microsoft.com/office/drawing/2010/main" val="0"/>
-              </a:ext>
-            </a:extLst>
-          </a:blip>
-          <a:srcRect l="28750" t="16774" r="27500" b="10890"/>
-          <a:stretch/>
-        </p:blipFill>
-        <p:spPr>
-          <a:xfrm>
-            <a:off x="8708568" y="219205"/>
-            <a:ext cx="548275" cy="509665"/>
-          </a:xfrm>
-          <a:prstGeom prst="rect">
-            <a:avLst/>
-          </a:prstGeom>
-        </p:spPr>
-      </p:pic>
     </p:spTree>
     <p:extLst>
       <p:ext uri="{BB962C8B-B14F-4D97-AF65-F5344CB8AC3E}">
@@ -5475,7 +5530,7 @@
         </p:blipFill>
         <p:spPr>
           <a:xfrm>
-            <a:off x="1462393" y="181263"/>
+            <a:off x="1462393" y="259174"/>
             <a:ext cx="767337" cy="785823"/>
           </a:xfrm>
         </p:spPr>
@@ -5564,106 +5619,12 @@
         </p:blipFill>
         <p:spPr>
           <a:xfrm>
-            <a:off x="6181778" y="181263"/>
+            <a:off x="6289863" y="284037"/>
             <a:ext cx="764567" cy="736095"/>
           </a:xfrm>
           <a:prstGeom prst="rect">
             <a:avLst/>
           </a:prstGeom>
-        </p:spPr>
-      </p:pic>
-      <p:pic>
-        <p:nvPicPr>
-          <p:cNvPr id="1026" name="Picture 2" descr="Green logo, Columns Android Application software, Green Back button  transparent background PNG clipart | HiClipart">
-            <a:extLst>
-              <a:ext uri="{FF2B5EF4-FFF2-40B4-BE49-F238E27FC236}">
-                <a16:creationId xmlns:a16="http://schemas.microsoft.com/office/drawing/2014/main" id="{B7B1930E-D145-47CE-881E-2C6893776A25}"/>
-              </a:ext>
-            </a:extLst>
-          </p:cNvPr>
-          <p:cNvPicPr>
-            <a:picLocks noChangeAspect="1" noChangeArrowheads="1"/>
-          </p:cNvPicPr>
-          <p:nvPr/>
-        </p:nvPicPr>
-        <p:blipFill>
-          <a:blip r:embed="rId4">
-            <a:extLst>
-              <a:ext uri="{28A0092B-C50C-407E-A947-70E740481C1C}">
-                <a14:useLocalDpi xmlns:a14="http://schemas.microsoft.com/office/drawing/2010/main" val="0"/>
-              </a:ext>
-            </a:extLst>
-          </a:blip>
-          <a:srcRect/>
-          <a:stretch>
-            <a:fillRect/>
-          </a:stretch>
-        </p:blipFill>
-        <p:spPr bwMode="auto">
-          <a:xfrm flipH="1">
-            <a:off x="3740283" y="235342"/>
-            <a:ext cx="731744" cy="731744"/>
-          </a:xfrm>
-          <a:prstGeom prst="rect">
-            <a:avLst/>
-          </a:prstGeom>
-          <a:noFill/>
-          <a:extLst>
-            <a:ext uri="{909E8E84-426E-40DD-AFC4-6F175D3DCCD1}">
-              <a14:hiddenFill xmlns:a14="http://schemas.microsoft.com/office/drawing/2010/main">
-                <a:solidFill>
-                  <a:srgbClr val="FFFFFF"/>
-                </a:solidFill>
-              </a14:hiddenFill>
-            </a:ext>
-          </a:extLst>
-        </p:spPr>
-      </p:pic>
-      <p:pic>
-        <p:nvPicPr>
-          <p:cNvPr id="23" name="Picture 2" descr="Green logo, Columns Android Application software, Green Back button  transparent background PNG clipart | HiClipart">
-            <a:extLst>
-              <a:ext uri="{FF2B5EF4-FFF2-40B4-BE49-F238E27FC236}">
-                <a16:creationId xmlns:a16="http://schemas.microsoft.com/office/drawing/2014/main" id="{421AE7D3-5D7D-4573-99C3-EAB7DB7EFAC2}"/>
-              </a:ext>
-            </a:extLst>
-          </p:cNvPr>
-          <p:cNvPicPr>
-            <a:picLocks noChangeAspect="1" noChangeArrowheads="1"/>
-          </p:cNvPicPr>
-          <p:nvPr/>
-        </p:nvPicPr>
-        <p:blipFill>
-          <a:blip r:embed="rId4">
-            <a:extLst>
-              <a:ext uri="{28A0092B-C50C-407E-A947-70E740481C1C}">
-                <a14:useLocalDpi xmlns:a14="http://schemas.microsoft.com/office/drawing/2010/main" val="0"/>
-              </a:ext>
-            </a:extLst>
-          </a:blip>
-          <a:srcRect/>
-          <a:stretch>
-            <a:fillRect/>
-          </a:stretch>
-        </p:blipFill>
-        <p:spPr bwMode="auto">
-          <a:xfrm flipH="1">
-            <a:off x="8656096" y="185614"/>
-            <a:ext cx="731744" cy="731744"/>
-          </a:xfrm>
-          <a:prstGeom prst="rect">
-            <a:avLst/>
-          </a:prstGeom>
-          <a:noFill/>
-          <a:extLst>
-            <a:ext uri="{909E8E84-426E-40DD-AFC4-6F175D3DCCD1}">
-              <a14:hiddenFill xmlns:a14="http://schemas.microsoft.com/office/drawing/2010/main">
-                <a:solidFill>
-                  <a:srgbClr val="FFFFFF"/>
-                </a:solidFill>
-              </a14:hiddenFill>
-            </a:ext>
-          </a:extLst>
         </p:spPr>
       </p:pic>
       <p:sp>
@@ -5738,7 +5699,7 @@
           <p:nvPr/>
         </p:nvPicPr>
         <p:blipFill rotWithShape="1">
-          <a:blip r:embed="rId5">
+          <a:blip r:embed="rId4">
             <a:extLst>
               <a:ext uri="{28A0092B-C50C-407E-A947-70E740481C1C}">
                 <a14:useLocalDpi xmlns:a14="http://schemas.microsoft.com/office/drawing/2010/main" val="0"/>
@@ -5773,7 +5734,7 @@
           <p:nvPr/>
         </p:nvPicPr>
         <p:blipFill rotWithShape="1">
-          <a:blip r:embed="rId5">
+          <a:blip r:embed="rId4">
             <a:extLst>
               <a:ext uri="{28A0092B-C50C-407E-A947-70E740481C1C}">
                 <a14:useLocalDpi xmlns:a14="http://schemas.microsoft.com/office/drawing/2010/main" val="0"/>
@@ -5793,6 +5754,126 @@
           </a:prstGeom>
         </p:spPr>
       </p:pic>
+      <p:sp>
+        <p:nvSpPr>
+          <p:cNvPr id="12" name="Rectangle 11" descr="Back with solid fill">
+            <a:extLst>
+              <a:ext uri="{FF2B5EF4-FFF2-40B4-BE49-F238E27FC236}">
+                <a16:creationId xmlns:a16="http://schemas.microsoft.com/office/drawing/2014/main" id="{CF3E4D78-53CE-45C2-AC3E-5854600B8817}"/>
+              </a:ext>
+            </a:extLst>
+          </p:cNvPr>
+          <p:cNvSpPr/>
+          <p:nvPr/>
+        </p:nvSpPr>
+        <p:spPr>
+          <a:xfrm>
+            <a:off x="3939481" y="259174"/>
+            <a:ext cx="630000" cy="630000"/>
+          </a:xfrm>
+          <a:prstGeom prst="rect">
+            <a:avLst/>
+          </a:prstGeom>
+          <a:blipFill>
+            <a:blip r:embed="rId5">
+              <a:extLst>
+                <a:ext uri="{28A0092B-C50C-407E-A947-70E740481C1C}">
+                  <a14:useLocalDpi xmlns:a14="http://schemas.microsoft.com/office/drawing/2010/main" val="0"/>
+                </a:ext>
+                <a:ext uri="{96DAC541-7B7A-43D3-8B79-37D633B846F1}">
+                  <asvg:svgBlip xmlns:asvg="http://schemas.microsoft.com/office/drawing/2016/SVG/main" r:embed="rId6"/>
+                </a:ext>
+              </a:extLst>
+            </a:blip>
+            <a:srcRect/>
+            <a:stretch>
+              <a:fillRect/>
+            </a:stretch>
+          </a:blipFill>
+          <a:ln>
+            <a:noFill/>
+          </a:ln>
+        </p:spPr>
+        <p:style>
+          <a:lnRef idx="2">
+            <a:scrgbClr r="0" g="0" b="0"/>
+          </a:lnRef>
+          <a:fillRef idx="1">
+            <a:scrgbClr r="0" g="0" b="0"/>
+          </a:fillRef>
+          <a:effectRef idx="0">
+            <a:schemeClr val="accent5">
+              <a:hueOff val="0"/>
+              <a:satOff val="0"/>
+              <a:lumOff val="0"/>
+              <a:alphaOff val="0"/>
+            </a:schemeClr>
+          </a:effectRef>
+          <a:fontRef idx="minor">
+            <a:schemeClr val="lt1"/>
+          </a:fontRef>
+        </p:style>
+      </p:sp>
+      <p:sp>
+        <p:nvSpPr>
+          <p:cNvPr id="13" name="Rectangle 12" descr="Back with solid fill">
+            <a:extLst>
+              <a:ext uri="{FF2B5EF4-FFF2-40B4-BE49-F238E27FC236}">
+                <a16:creationId xmlns:a16="http://schemas.microsoft.com/office/drawing/2014/main" id="{40C34E0D-CB9D-46C9-AF11-45882E60D34F}"/>
+              </a:ext>
+            </a:extLst>
+          </p:cNvPr>
+          <p:cNvSpPr/>
+          <p:nvPr/>
+        </p:nvSpPr>
+        <p:spPr>
+          <a:xfrm>
+            <a:off x="8523939" y="352384"/>
+            <a:ext cx="630000" cy="630000"/>
+          </a:xfrm>
+          <a:prstGeom prst="rect">
+            <a:avLst/>
+          </a:prstGeom>
+          <a:blipFill>
+            <a:blip r:embed="rId5">
+              <a:extLst>
+                <a:ext uri="{28A0092B-C50C-407E-A947-70E740481C1C}">
+                  <a14:useLocalDpi xmlns:a14="http://schemas.microsoft.com/office/drawing/2010/main" val="0"/>
+                </a:ext>
+                <a:ext uri="{96DAC541-7B7A-43D3-8B79-37D633B846F1}">
+                  <asvg:svgBlip xmlns:asvg="http://schemas.microsoft.com/office/drawing/2016/SVG/main" r:embed="rId6"/>
+                </a:ext>
+              </a:extLst>
+            </a:blip>
+            <a:srcRect/>
+            <a:stretch>
+              <a:fillRect/>
+            </a:stretch>
+          </a:blipFill>
+          <a:ln>
+            <a:noFill/>
+          </a:ln>
+        </p:spPr>
+        <p:style>
+          <a:lnRef idx="2">
+            <a:scrgbClr r="0" g="0" b="0"/>
+          </a:lnRef>
+          <a:fillRef idx="1">
+            <a:scrgbClr r="0" g="0" b="0"/>
+          </a:fillRef>
+          <a:effectRef idx="0">
+            <a:schemeClr val="accent5">
+              <a:hueOff val="0"/>
+              <a:satOff val="0"/>
+              <a:lumOff val="0"/>
+              <a:alphaOff val="0"/>
+            </a:schemeClr>
+          </a:effectRef>
+          <a:fontRef idx="minor">
+            <a:schemeClr val="lt1"/>
+          </a:fontRef>
+        </p:style>
+      </p:sp>
     </p:spTree>
     <p:extLst>
       <p:ext uri="{BB962C8B-B14F-4D97-AF65-F5344CB8AC3E}">
@@ -5892,7 +5973,7 @@
         </p:nvSpPr>
         <p:spPr>
           <a:xfrm>
-            <a:off x="1821180" y="130125"/>
+            <a:off x="1821180" y="70165"/>
             <a:ext cx="3291840" cy="6597747"/>
           </a:xfrm>
           <a:prstGeom prst="rect">
@@ -5961,7 +6042,7 @@
         </p:blipFill>
         <p:spPr>
           <a:xfrm>
-            <a:off x="1847851" y="166004"/>
+            <a:off x="1940094" y="403049"/>
             <a:ext cx="764567" cy="716413"/>
           </a:xfrm>
           <a:prstGeom prst="rect">
@@ -5996,7 +6077,7 @@
         </p:blipFill>
         <p:spPr>
           <a:xfrm>
-            <a:off x="6247263" y="245828"/>
+            <a:off x="6350207" y="429383"/>
             <a:ext cx="719602" cy="690079"/>
           </a:xfrm>
           <a:prstGeom prst="rect">
@@ -6004,100 +6085,6 @@
           </a:prstGeom>
         </p:spPr>
       </p:pic>
-      <p:pic>
-        <p:nvPicPr>
-          <p:cNvPr id="10" name="Picture 2" descr="Green logo, Columns Android Application software, Green Back button  transparent background PNG clipart | HiClipart">
-            <a:extLst>
-              <a:ext uri="{FF2B5EF4-FFF2-40B4-BE49-F238E27FC236}">
-                <a16:creationId xmlns:a16="http://schemas.microsoft.com/office/drawing/2014/main" id="{F55FFC9C-EA88-47D0-904B-D05E7380BBF3}"/>
-              </a:ext>
-            </a:extLst>
-          </p:cNvPr>
-          <p:cNvPicPr>
-            <a:picLocks noChangeAspect="1" noChangeArrowheads="1"/>
-          </p:cNvPicPr>
-          <p:nvPr/>
-        </p:nvPicPr>
-        <p:blipFill>
-          <a:blip r:embed="rId4">
-            <a:extLst>
-              <a:ext uri="{28A0092B-C50C-407E-A947-70E740481C1C}">
-                <a14:useLocalDpi xmlns:a14="http://schemas.microsoft.com/office/drawing/2010/main" val="0"/>
-              </a:ext>
-            </a:extLst>
-          </a:blip>
-          <a:srcRect/>
-          <a:stretch>
-            <a:fillRect/>
-          </a:stretch>
-        </p:blipFill>
-        <p:spPr bwMode="auto">
-          <a:xfrm flipH="1">
-            <a:off x="8559277" y="204163"/>
-            <a:ext cx="731744" cy="731744"/>
-          </a:xfrm>
-          <a:prstGeom prst="rect">
-            <a:avLst/>
-          </a:prstGeom>
-          <a:noFill/>
-          <a:extLst>
-            <a:ext uri="{909E8E84-426E-40DD-AFC4-6F175D3DCCD1}">
-              <a14:hiddenFill xmlns:a14="http://schemas.microsoft.com/office/drawing/2010/main">
-                <a:solidFill>
-                  <a:srgbClr val="FFFFFF"/>
-                </a:solidFill>
-              </a14:hiddenFill>
-            </a:ext>
-          </a:extLst>
-        </p:spPr>
-      </p:pic>
-      <p:pic>
-        <p:nvPicPr>
-          <p:cNvPr id="11" name="Picture 2" descr="Green logo, Columns Android Application software, Green Back button  transparent background PNG clipart | HiClipart">
-            <a:extLst>
-              <a:ext uri="{FF2B5EF4-FFF2-40B4-BE49-F238E27FC236}">
-                <a16:creationId xmlns:a16="http://schemas.microsoft.com/office/drawing/2014/main" id="{1B97958A-5EB0-45DF-921D-1852C4B66369}"/>
-              </a:ext>
-            </a:extLst>
-          </p:cNvPr>
-          <p:cNvPicPr>
-            <a:picLocks noChangeAspect="1" noChangeArrowheads="1"/>
-          </p:cNvPicPr>
-          <p:nvPr/>
-        </p:nvPicPr>
-        <p:blipFill>
-          <a:blip r:embed="rId4">
-            <a:extLst>
-              <a:ext uri="{28A0092B-C50C-407E-A947-70E740481C1C}">
-                <a14:useLocalDpi xmlns:a14="http://schemas.microsoft.com/office/drawing/2010/main" val="0"/>
-              </a:ext>
-            </a:extLst>
-          </a:blip>
-          <a:srcRect/>
-          <a:stretch>
-            <a:fillRect/>
-          </a:stretch>
-        </p:blipFill>
-        <p:spPr bwMode="auto">
-          <a:xfrm flipH="1">
-            <a:off x="4301649" y="204163"/>
-            <a:ext cx="731744" cy="731744"/>
-          </a:xfrm>
-          <a:prstGeom prst="rect">
-            <a:avLst/>
-          </a:prstGeom>
-          <a:noFill/>
-          <a:extLst>
-            <a:ext uri="{909E8E84-426E-40DD-AFC4-6F175D3DCCD1}">
-              <a14:hiddenFill xmlns:a14="http://schemas.microsoft.com/office/drawing/2010/main">
-                <a:solidFill>
-                  <a:srgbClr val="FFFFFF"/>
-                </a:solidFill>
-              </a14:hiddenFill>
-            </a:ext>
-          </a:extLst>
-        </p:spPr>
-      </p:pic>
       <p:sp>
         <p:nvSpPr>
           <p:cNvPr id="12" name="Rectangle 11">
@@ -6112,7 +6099,7 @@
         </p:nvSpPr>
         <p:spPr>
           <a:xfrm>
-            <a:off x="2322378" y="6248505"/>
+            <a:off x="2714467" y="6101621"/>
             <a:ext cx="1374979" cy="317364"/>
           </a:xfrm>
           <a:prstGeom prst="rect">
@@ -6169,7 +6156,7 @@
         </p:nvSpPr>
         <p:spPr>
           <a:xfrm>
-            <a:off x="7184298" y="6248505"/>
+            <a:off x="7069809" y="6111253"/>
             <a:ext cx="1374979" cy="317364"/>
           </a:xfrm>
           <a:prstGeom prst="rect">
@@ -6227,7 +6214,7 @@
           <p:nvPr/>
         </p:nvPicPr>
         <p:blipFill rotWithShape="1">
-          <a:blip r:embed="rId5">
+          <a:blip r:embed="rId4">
             <a:extLst>
               <a:ext uri="{28A0092B-C50C-407E-A947-70E740481C1C}">
                 <a14:useLocalDpi xmlns:a14="http://schemas.microsoft.com/office/drawing/2010/main" val="0"/>
@@ -6262,7 +6249,7 @@
           <p:nvPr/>
         </p:nvPicPr>
         <p:blipFill rotWithShape="1">
-          <a:blip r:embed="rId5">
+          <a:blip r:embed="rId4">
             <a:extLst>
               <a:ext uri="{28A0092B-C50C-407E-A947-70E740481C1C}">
                 <a14:useLocalDpi xmlns:a14="http://schemas.microsoft.com/office/drawing/2010/main" val="0"/>
@@ -6282,280 +6269,130 @@
           </a:prstGeom>
         </p:spPr>
       </p:pic>
+      <p:sp>
+        <p:nvSpPr>
+          <p:cNvPr id="17" name="Rectangle 16" descr="Back with solid fill">
+            <a:extLst>
+              <a:ext uri="{FF2B5EF4-FFF2-40B4-BE49-F238E27FC236}">
+                <a16:creationId xmlns:a16="http://schemas.microsoft.com/office/drawing/2014/main" id="{2B995961-5CC4-4E83-BCF9-D48E94D755DF}"/>
+              </a:ext>
+            </a:extLst>
+          </p:cNvPr>
+          <p:cNvSpPr/>
+          <p:nvPr/>
+        </p:nvSpPr>
+        <p:spPr>
+          <a:xfrm>
+            <a:off x="4418062" y="399300"/>
+            <a:ext cx="630000" cy="630000"/>
+          </a:xfrm>
+          <a:prstGeom prst="rect">
+            <a:avLst/>
+          </a:prstGeom>
+          <a:blipFill>
+            <a:blip r:embed="rId5">
+              <a:extLst>
+                <a:ext uri="{28A0092B-C50C-407E-A947-70E740481C1C}">
+                  <a14:useLocalDpi xmlns:a14="http://schemas.microsoft.com/office/drawing/2010/main" val="0"/>
+                </a:ext>
+                <a:ext uri="{96DAC541-7B7A-43D3-8B79-37D633B846F1}">
+                  <asvg:svgBlip xmlns:asvg="http://schemas.microsoft.com/office/drawing/2016/SVG/main" r:embed="rId6"/>
+                </a:ext>
+              </a:extLst>
+            </a:blip>
+            <a:srcRect/>
+            <a:stretch>
+              <a:fillRect/>
+            </a:stretch>
+          </a:blipFill>
+          <a:ln>
+            <a:noFill/>
+          </a:ln>
+        </p:spPr>
+        <p:style>
+          <a:lnRef idx="2">
+            <a:scrgbClr r="0" g="0" b="0"/>
+          </a:lnRef>
+          <a:fillRef idx="1">
+            <a:scrgbClr r="0" g="0" b="0"/>
+          </a:fillRef>
+          <a:effectRef idx="0">
+            <a:schemeClr val="accent5">
+              <a:hueOff val="0"/>
+              <a:satOff val="0"/>
+              <a:lumOff val="0"/>
+              <a:alphaOff val="0"/>
+            </a:schemeClr>
+          </a:effectRef>
+          <a:fontRef idx="minor">
+            <a:schemeClr val="lt1"/>
+          </a:fontRef>
+        </p:style>
+      </p:sp>
+      <p:sp>
+        <p:nvSpPr>
+          <p:cNvPr id="18" name="Rectangle 17" descr="Back with solid fill">
+            <a:extLst>
+              <a:ext uri="{FF2B5EF4-FFF2-40B4-BE49-F238E27FC236}">
+                <a16:creationId xmlns:a16="http://schemas.microsoft.com/office/drawing/2014/main" id="{2CDA4FA4-C1D5-4AB1-AEB2-88F152D591BC}"/>
+              </a:ext>
+            </a:extLst>
+          </p:cNvPr>
+          <p:cNvSpPr/>
+          <p:nvPr/>
+        </p:nvSpPr>
+        <p:spPr>
+          <a:xfrm>
+            <a:off x="8757840" y="396570"/>
+            <a:ext cx="630000" cy="630000"/>
+          </a:xfrm>
+          <a:prstGeom prst="rect">
+            <a:avLst/>
+          </a:prstGeom>
+          <a:blipFill>
+            <a:blip r:embed="rId5">
+              <a:extLst>
+                <a:ext uri="{28A0092B-C50C-407E-A947-70E740481C1C}">
+                  <a14:useLocalDpi xmlns:a14="http://schemas.microsoft.com/office/drawing/2010/main" val="0"/>
+                </a:ext>
+                <a:ext uri="{96DAC541-7B7A-43D3-8B79-37D633B846F1}">
+                  <asvg:svgBlip xmlns:asvg="http://schemas.microsoft.com/office/drawing/2016/SVG/main" r:embed="rId6"/>
+                </a:ext>
+              </a:extLst>
+            </a:blip>
+            <a:srcRect/>
+            <a:stretch>
+              <a:fillRect/>
+            </a:stretch>
+          </a:blipFill>
+          <a:ln>
+            <a:noFill/>
+          </a:ln>
+        </p:spPr>
+        <p:style>
+          <a:lnRef idx="2">
+            <a:scrgbClr r="0" g="0" b="0"/>
+          </a:lnRef>
+          <a:fillRef idx="1">
+            <a:scrgbClr r="0" g="0" b="0"/>
+          </a:fillRef>
+          <a:effectRef idx="0">
+            <a:schemeClr val="accent5">
+              <a:hueOff val="0"/>
+              <a:satOff val="0"/>
+              <a:lumOff val="0"/>
+              <a:alphaOff val="0"/>
+            </a:schemeClr>
+          </a:effectRef>
+          <a:fontRef idx="minor">
+            <a:schemeClr val="lt1"/>
+          </a:fontRef>
+        </p:style>
+      </p:sp>
     </p:spTree>
     <p:extLst>
       <p:ext uri="{BB962C8B-B14F-4D97-AF65-F5344CB8AC3E}">
         <p14:creationId xmlns:p14="http://schemas.microsoft.com/office/powerpoint/2010/main" val="4093095795"/>
-      </p:ext>
-    </p:extLst>
-  </p:cSld>
-  <p:clrMapOvr>
-    <a:masterClrMapping/>
-  </p:clrMapOvr>
-</p:sld>
-</file>
-
-<file path=ppt/slides/slide7.xml><?xml version="1.0" encoding="utf-8"?>
-<p:sld xmlns:a="http://schemas.openxmlformats.org/drawingml/2006/main" xmlns:r="http://schemas.openxmlformats.org/officeDocument/2006/relationships" xmlns:p="http://schemas.openxmlformats.org/presentationml/2006/main">
-  <p:cSld>
-    <p:spTree>
-      <p:nvGrpSpPr>
-        <p:cNvPr id="1" name=""/>
-        <p:cNvGrpSpPr/>
-        <p:nvPr/>
-      </p:nvGrpSpPr>
-      <p:grpSpPr>
-        <a:xfrm>
-          <a:off x="0" y="0"/>
-          <a:ext cx="0" cy="0"/>
-          <a:chOff x="0" y="0"/>
-          <a:chExt cx="0" cy="0"/>
-        </a:xfrm>
-      </p:grpSpPr>
-      <p:sp>
-        <p:nvSpPr>
-          <p:cNvPr id="2" name="Title 1">
-            <a:extLst>
-              <a:ext uri="{FF2B5EF4-FFF2-40B4-BE49-F238E27FC236}">
-                <a16:creationId xmlns:a16="http://schemas.microsoft.com/office/drawing/2014/main" id="{E0A63061-C794-4142-A3AC-30E38B06B4A3}"/>
-              </a:ext>
-            </a:extLst>
-          </p:cNvPr>
-          <p:cNvSpPr>
-            <a:spLocks noGrp="1"/>
-          </p:cNvSpPr>
-          <p:nvPr>
-            <p:ph type="title"/>
-          </p:nvPr>
-        </p:nvSpPr>
-        <p:spPr/>
-        <p:txBody>
-          <a:bodyPr/>
-          <a:lstStyle/>
-          <a:p>
-            <a:endParaRPr lang="en-PH"/>
-          </a:p>
-        </p:txBody>
-      </p:sp>
-      <p:sp>
-        <p:nvSpPr>
-          <p:cNvPr id="15" name="Content Placeholder 14">
-            <a:extLst>
-              <a:ext uri="{FF2B5EF4-FFF2-40B4-BE49-F238E27FC236}">
-                <a16:creationId xmlns:a16="http://schemas.microsoft.com/office/drawing/2014/main" id="{E38DF8F7-EE3E-4311-84DC-A12570F67A45}"/>
-              </a:ext>
-            </a:extLst>
-          </p:cNvPr>
-          <p:cNvSpPr>
-            <a:spLocks noGrp="1"/>
-          </p:cNvSpPr>
-          <p:nvPr>
-            <p:ph idx="1"/>
-          </p:nvPr>
-        </p:nvSpPr>
-        <p:spPr/>
-        <p:txBody>
-          <a:bodyPr/>
-          <a:lstStyle/>
-          <a:p>
-            <a:endParaRPr lang="en-PH"/>
-          </a:p>
-        </p:txBody>
-      </p:sp>
-      <p:sp>
-        <p:nvSpPr>
-          <p:cNvPr id="4" name="Rectangle 3">
-            <a:extLst>
-              <a:ext uri="{FF2B5EF4-FFF2-40B4-BE49-F238E27FC236}">
-                <a16:creationId xmlns:a16="http://schemas.microsoft.com/office/drawing/2014/main" id="{8F50FE6C-C011-4F6D-A2B1-D0413DB7B53A}"/>
-              </a:ext>
-            </a:extLst>
-          </p:cNvPr>
-          <p:cNvSpPr/>
-          <p:nvPr/>
-        </p:nvSpPr>
-        <p:spPr>
-          <a:xfrm>
-            <a:off x="1821180" y="130125"/>
-            <a:ext cx="3291840" cy="6597747"/>
-          </a:xfrm>
-          <a:prstGeom prst="rect">
-            <a:avLst/>
-          </a:prstGeom>
-          <a:solidFill>
-            <a:srgbClr val="FEF2EA"/>
-          </a:solidFill>
-        </p:spPr>
-        <p:style>
-          <a:lnRef idx="2">
-            <a:schemeClr val="dk1"/>
-          </a:lnRef>
-          <a:fillRef idx="1">
-            <a:schemeClr val="lt1"/>
-          </a:fillRef>
-          <a:effectRef idx="0">
-            <a:schemeClr val="dk1"/>
-          </a:effectRef>
-          <a:fontRef idx="minor">
-            <a:schemeClr val="dk1"/>
-          </a:fontRef>
-        </p:style>
-        <p:txBody>
-          <a:bodyPr rtlCol="0" anchor="ctr"/>
-          <a:lstStyle/>
-          <a:p>
-            <a:pPr algn="ctr"/>
-            <a:endParaRPr lang="en-PH" dirty="0"/>
-          </a:p>
-          <a:p>
-            <a:pPr algn="ctr"/>
-            <a:endParaRPr lang="en-PH" sz="3200" dirty="0">
-              <a:solidFill>
-                <a:srgbClr val="F7ABB1"/>
-              </a:solidFill>
-            </a:endParaRPr>
-          </a:p>
-        </p:txBody>
-      </p:sp>
-      <p:sp>
-        <p:nvSpPr>
-          <p:cNvPr id="5" name="Rectangle 4">
-            <a:extLst>
-              <a:ext uri="{FF2B5EF4-FFF2-40B4-BE49-F238E27FC236}">
-                <a16:creationId xmlns:a16="http://schemas.microsoft.com/office/drawing/2014/main" id="{84AA6937-2DBE-4D0D-B3A1-25F3D14C8256}"/>
-              </a:ext>
-            </a:extLst>
-          </p:cNvPr>
-          <p:cNvSpPr/>
-          <p:nvPr/>
-        </p:nvSpPr>
-        <p:spPr>
-          <a:xfrm>
-            <a:off x="6254032" y="73803"/>
-            <a:ext cx="3291840" cy="6597747"/>
-          </a:xfrm>
-          <a:prstGeom prst="rect">
-            <a:avLst/>
-          </a:prstGeom>
-          <a:solidFill>
-            <a:srgbClr val="FEF2EA"/>
-          </a:solidFill>
-        </p:spPr>
-        <p:style>
-          <a:lnRef idx="2">
-            <a:schemeClr val="dk1"/>
-          </a:lnRef>
-          <a:fillRef idx="1">
-            <a:schemeClr val="lt1"/>
-          </a:fillRef>
-          <a:effectRef idx="0">
-            <a:schemeClr val="dk1"/>
-          </a:effectRef>
-          <a:fontRef idx="minor">
-            <a:schemeClr val="dk1"/>
-          </a:fontRef>
-        </p:style>
-        <p:txBody>
-          <a:bodyPr rtlCol="0" anchor="ctr"/>
-          <a:lstStyle/>
-          <a:p>
-            <a:pPr algn="ctr"/>
-            <a:endParaRPr lang="en-PH" dirty="0"/>
-          </a:p>
-          <a:p>
-            <a:pPr algn="ctr"/>
-            <a:endParaRPr lang="en-PH" sz="3200" dirty="0">
-              <a:solidFill>
-                <a:srgbClr val="F7ABB1"/>
-              </a:solidFill>
-            </a:endParaRPr>
-          </a:p>
-        </p:txBody>
-      </p:sp>
-    </p:spTree>
-    <p:extLst>
-      <p:ext uri="{BB962C8B-B14F-4D97-AF65-F5344CB8AC3E}">
-        <p14:creationId xmlns:p14="http://schemas.microsoft.com/office/powerpoint/2010/main" val="644878536"/>
-      </p:ext>
-    </p:extLst>
-  </p:cSld>
-  <p:clrMapOvr>
-    <a:masterClrMapping/>
-  </p:clrMapOvr>
-</p:sld>
-</file>
-
-<file path=ppt/slides/slide8.xml><?xml version="1.0" encoding="utf-8"?>
-<p:sld xmlns:a="http://schemas.openxmlformats.org/drawingml/2006/main" xmlns:r="http://schemas.openxmlformats.org/officeDocument/2006/relationships" xmlns:p="http://schemas.openxmlformats.org/presentationml/2006/main">
-  <p:cSld>
-    <p:spTree>
-      <p:nvGrpSpPr>
-        <p:cNvPr id="1" name=""/>
-        <p:cNvGrpSpPr/>
-        <p:nvPr/>
-      </p:nvGrpSpPr>
-      <p:grpSpPr>
-        <a:xfrm>
-          <a:off x="0" y="0"/>
-          <a:ext cx="0" cy="0"/>
-          <a:chOff x="0" y="0"/>
-          <a:chExt cx="0" cy="0"/>
-        </a:xfrm>
-      </p:grpSpPr>
-      <p:sp>
-        <p:nvSpPr>
-          <p:cNvPr id="2" name="Title 1">
-            <a:extLst>
-              <a:ext uri="{FF2B5EF4-FFF2-40B4-BE49-F238E27FC236}">
-                <a16:creationId xmlns:a16="http://schemas.microsoft.com/office/drawing/2014/main" id="{F65E4EB5-4647-4FCE-AD55-14F4A4980335}"/>
-              </a:ext>
-            </a:extLst>
-          </p:cNvPr>
-          <p:cNvSpPr>
-            <a:spLocks noGrp="1"/>
-          </p:cNvSpPr>
-          <p:nvPr>
-            <p:ph type="title"/>
-          </p:nvPr>
-        </p:nvSpPr>
-        <p:spPr/>
-        <p:txBody>
-          <a:bodyPr/>
-          <a:lstStyle/>
-          <a:p>
-            <a:endParaRPr lang="en-PH"/>
-          </a:p>
-        </p:txBody>
-      </p:sp>
-      <p:sp>
-        <p:nvSpPr>
-          <p:cNvPr id="3" name="Content Placeholder 2">
-            <a:extLst>
-              <a:ext uri="{FF2B5EF4-FFF2-40B4-BE49-F238E27FC236}">
-                <a16:creationId xmlns:a16="http://schemas.microsoft.com/office/drawing/2014/main" id="{746D066B-7E70-4E96-ADB6-E7E8D4366EB3}"/>
-              </a:ext>
-            </a:extLst>
-          </p:cNvPr>
-          <p:cNvSpPr>
-            <a:spLocks noGrp="1"/>
-          </p:cNvSpPr>
-          <p:nvPr>
-            <p:ph idx="1"/>
-          </p:nvPr>
-        </p:nvSpPr>
-        <p:spPr/>
-        <p:txBody>
-          <a:bodyPr/>
-          <a:lstStyle/>
-          <a:p>
-            <a:endParaRPr lang="en-PH" dirty="0"/>
-          </a:p>
-        </p:txBody>
-      </p:sp>
-    </p:spTree>
-    <p:extLst>
-      <p:ext uri="{BB962C8B-B14F-4D97-AF65-F5344CB8AC3E}">
-        <p14:creationId xmlns:p14="http://schemas.microsoft.com/office/powerpoint/2010/main" val="919598924"/>
       </p:ext>
     </p:extLst>
   </p:cSld>
